--- a/SlidesPublicação/Equação do 2º Grau.pptx
+++ b/SlidesPublicação/Equação do 2º Grau.pptx
@@ -5,10 +5,10 @@
     <p:sldMasterId id="2147483648" r:id="rId1"/>
   </p:sldMasterIdLst>
   <p:notesMasterIdLst>
-    <p:notesMasterId r:id="rId25"/>
+    <p:notesMasterId r:id="rId26"/>
   </p:notesMasterIdLst>
   <p:handoutMasterIdLst>
-    <p:handoutMasterId r:id="rId26"/>
+    <p:handoutMasterId r:id="rId27"/>
   </p:handoutMasterIdLst>
   <p:sldIdLst>
     <p:sldId id="256" r:id="rId2"/>
@@ -22,18 +22,19 @@
     <p:sldId id="275" r:id="rId10"/>
     <p:sldId id="276" r:id="rId11"/>
     <p:sldId id="277" r:id="rId12"/>
-    <p:sldId id="282" r:id="rId13"/>
-    <p:sldId id="283" r:id="rId14"/>
-    <p:sldId id="278" r:id="rId15"/>
-    <p:sldId id="279" r:id="rId16"/>
-    <p:sldId id="281" r:id="rId17"/>
-    <p:sldId id="284" r:id="rId18"/>
-    <p:sldId id="258" r:id="rId19"/>
-    <p:sldId id="260" r:id="rId20"/>
-    <p:sldId id="261" r:id="rId21"/>
-    <p:sldId id="262" r:id="rId22"/>
-    <p:sldId id="272" r:id="rId23"/>
-    <p:sldId id="264" r:id="rId24"/>
+    <p:sldId id="287" r:id="rId13"/>
+    <p:sldId id="282" r:id="rId14"/>
+    <p:sldId id="283" r:id="rId15"/>
+    <p:sldId id="278" r:id="rId16"/>
+    <p:sldId id="279" r:id="rId17"/>
+    <p:sldId id="281" r:id="rId18"/>
+    <p:sldId id="284" r:id="rId19"/>
+    <p:sldId id="258" r:id="rId20"/>
+    <p:sldId id="260" r:id="rId21"/>
+    <p:sldId id="261" r:id="rId22"/>
+    <p:sldId id="262" r:id="rId23"/>
+    <p:sldId id="272" r:id="rId24"/>
+    <p:sldId id="264" r:id="rId25"/>
   </p:sldIdLst>
   <p:sldSz cx="12188825" cy="6858000"/>
   <p:notesSz cx="6858000" cy="9144000"/>
@@ -25484,7 +25485,7 @@
             <a:pPr rtl="0"/>
             <a:fld id="{70981B7D-53F6-4039-A8FA-44779F95F4C7}" type="datetime1">
               <a:rPr lang="pt-BR" smtClean="0"/>
-              <a:t>03/04/2020</a:t>
+              <a:t>14/08/2020</a:t>
             </a:fld>
             <a:endParaRPr lang="pt-BR" dirty="0"/>
           </a:p>
@@ -25662,7 +25663,7 @@
             <a:pPr rtl="0"/>
             <a:fld id="{FD1732DB-6DE7-4ED0-8D58-5BB99683AAF5}" type="datetime1">
               <a:rPr lang="pt-BR" noProof="0" smtClean="0"/>
-              <a:t>03/04/2020</a:t>
+              <a:t>13/08/2020</a:t>
             </a:fld>
             <a:endParaRPr lang="pt-BR" noProof="0" dirty="0"/>
           </a:p>
@@ -26276,7 +26277,7 @@
     </p:spTree>
     <p:extLst>
       <p:ext uri="{BB962C8B-B14F-4D97-AF65-F5344CB8AC3E}">
-        <p14:creationId xmlns:p14="http://schemas.microsoft.com/office/powerpoint/2010/main" val="2399145132"/>
+        <p14:creationId xmlns:p14="http://schemas.microsoft.com/office/powerpoint/2010/main" val="2459366071"/>
       </p:ext>
     </p:extLst>
   </p:cSld>
@@ -26362,7 +26363,7 @@
     </p:spTree>
     <p:extLst>
       <p:ext uri="{BB962C8B-B14F-4D97-AF65-F5344CB8AC3E}">
-        <p14:creationId xmlns:p14="http://schemas.microsoft.com/office/powerpoint/2010/main" val="2805817330"/>
+        <p14:creationId xmlns:p14="http://schemas.microsoft.com/office/powerpoint/2010/main" val="2399145132"/>
       </p:ext>
     </p:extLst>
   </p:cSld>
@@ -26448,7 +26449,7 @@
     </p:spTree>
     <p:extLst>
       <p:ext uri="{BB962C8B-B14F-4D97-AF65-F5344CB8AC3E}">
-        <p14:creationId xmlns:p14="http://schemas.microsoft.com/office/powerpoint/2010/main" val="3080426320"/>
+        <p14:creationId xmlns:p14="http://schemas.microsoft.com/office/powerpoint/2010/main" val="2805817330"/>
       </p:ext>
     </p:extLst>
   </p:cSld>
@@ -26534,7 +26535,7 @@
     </p:spTree>
     <p:extLst>
       <p:ext uri="{BB962C8B-B14F-4D97-AF65-F5344CB8AC3E}">
-        <p14:creationId xmlns:p14="http://schemas.microsoft.com/office/powerpoint/2010/main" val="102456882"/>
+        <p14:creationId xmlns:p14="http://schemas.microsoft.com/office/powerpoint/2010/main" val="3080426320"/>
       </p:ext>
     </p:extLst>
   </p:cSld>
@@ -26620,7 +26621,7 @@
     </p:spTree>
     <p:extLst>
       <p:ext uri="{BB962C8B-B14F-4D97-AF65-F5344CB8AC3E}">
-        <p14:creationId xmlns:p14="http://schemas.microsoft.com/office/powerpoint/2010/main" val="2012314136"/>
+        <p14:creationId xmlns:p14="http://schemas.microsoft.com/office/powerpoint/2010/main" val="102456882"/>
       </p:ext>
     </p:extLst>
   </p:cSld>
@@ -26706,7 +26707,7 @@
     </p:spTree>
     <p:extLst>
       <p:ext uri="{BB962C8B-B14F-4D97-AF65-F5344CB8AC3E}">
-        <p14:creationId xmlns:p14="http://schemas.microsoft.com/office/powerpoint/2010/main" val="2156527008"/>
+        <p14:creationId xmlns:p14="http://schemas.microsoft.com/office/powerpoint/2010/main" val="2012314136"/>
       </p:ext>
     </p:extLst>
   </p:cSld>
@@ -26792,7 +26793,7 @@
     </p:spTree>
     <p:extLst>
       <p:ext uri="{BB962C8B-B14F-4D97-AF65-F5344CB8AC3E}">
-        <p14:creationId xmlns:p14="http://schemas.microsoft.com/office/powerpoint/2010/main" val="1678422111"/>
+        <p14:creationId xmlns:p14="http://schemas.microsoft.com/office/powerpoint/2010/main" val="2156527008"/>
       </p:ext>
     </p:extLst>
   </p:cSld>
@@ -26878,7 +26879,7 @@
     </p:spTree>
     <p:extLst>
       <p:ext uri="{BB962C8B-B14F-4D97-AF65-F5344CB8AC3E}">
-        <p14:creationId xmlns:p14="http://schemas.microsoft.com/office/powerpoint/2010/main" val="725409388"/>
+        <p14:creationId xmlns:p14="http://schemas.microsoft.com/office/powerpoint/2010/main" val="1678422111"/>
       </p:ext>
     </p:extLst>
   </p:cSld>
@@ -27050,7 +27051,7 @@
     </p:spTree>
     <p:extLst>
       <p:ext uri="{BB962C8B-B14F-4D97-AF65-F5344CB8AC3E}">
-        <p14:creationId xmlns:p14="http://schemas.microsoft.com/office/powerpoint/2010/main" val="3699687119"/>
+        <p14:creationId xmlns:p14="http://schemas.microsoft.com/office/powerpoint/2010/main" val="725409388"/>
       </p:ext>
     </p:extLst>
   </p:cSld>
@@ -27136,7 +27137,7 @@
     </p:spTree>
     <p:extLst>
       <p:ext uri="{BB962C8B-B14F-4D97-AF65-F5344CB8AC3E}">
-        <p14:creationId xmlns:p14="http://schemas.microsoft.com/office/powerpoint/2010/main" val="1063644972"/>
+        <p14:creationId xmlns:p14="http://schemas.microsoft.com/office/powerpoint/2010/main" val="3699687119"/>
       </p:ext>
     </p:extLst>
   </p:cSld>
@@ -27222,7 +27223,7 @@
     </p:spTree>
     <p:extLst>
       <p:ext uri="{BB962C8B-B14F-4D97-AF65-F5344CB8AC3E}">
-        <p14:creationId xmlns:p14="http://schemas.microsoft.com/office/powerpoint/2010/main" val="2456158382"/>
+        <p14:creationId xmlns:p14="http://schemas.microsoft.com/office/powerpoint/2010/main" val="1063644972"/>
       </p:ext>
     </p:extLst>
   </p:cSld>
@@ -27300,6 +27301,92 @@
               <a:rPr lang="pt-BR" smtClean="0"/>
               <a:pPr rtl="0"/>
               <a:t>23</a:t>
+            </a:fld>
+            <a:endParaRPr lang="pt-BR" dirty="0"/>
+          </a:p>
+        </p:txBody>
+      </p:sp>
+    </p:spTree>
+    <p:extLst>
+      <p:ext uri="{BB962C8B-B14F-4D97-AF65-F5344CB8AC3E}">
+        <p14:creationId xmlns:p14="http://schemas.microsoft.com/office/powerpoint/2010/main" val="2456158382"/>
+      </p:ext>
+    </p:extLst>
+  </p:cSld>
+  <p:clrMapOvr>
+    <a:masterClrMapping/>
+  </p:clrMapOvr>
+</p:notes>
+</file>
+
+<file path=ppt/notesSlides/notesSlide24.xml><?xml version="1.0" encoding="utf-8"?>
+<p:notes xmlns:a="http://schemas.openxmlformats.org/drawingml/2006/main" xmlns:r="http://schemas.openxmlformats.org/officeDocument/2006/relationships" xmlns:p="http://schemas.openxmlformats.org/presentationml/2006/main">
+  <p:cSld>
+    <p:spTree>
+      <p:nvGrpSpPr>
+        <p:cNvPr id="1" name=""/>
+        <p:cNvGrpSpPr/>
+        <p:nvPr/>
+      </p:nvGrpSpPr>
+      <p:grpSpPr>
+        <a:xfrm>
+          <a:off x="0" y="0"/>
+          <a:ext cx="0" cy="0"/>
+          <a:chOff x="0" y="0"/>
+          <a:chExt cx="0" cy="0"/>
+        </a:xfrm>
+      </p:grpSpPr>
+      <p:sp>
+        <p:nvSpPr>
+          <p:cNvPr id="2" name="Espaço Reservado para Imagem de Slide 1"/>
+          <p:cNvSpPr>
+            <a:spLocks noGrp="1" noRot="1" noChangeAspect="1"/>
+          </p:cNvSpPr>
+          <p:nvPr>
+            <p:ph type="sldImg"/>
+          </p:nvPr>
+        </p:nvSpPr>
+        <p:spPr/>
+      </p:sp>
+      <p:sp>
+        <p:nvSpPr>
+          <p:cNvPr id="3" name="Espaço Reservado para Anotações 2"/>
+          <p:cNvSpPr>
+            <a:spLocks noGrp="1"/>
+          </p:cNvSpPr>
+          <p:nvPr>
+            <p:ph type="body" idx="1"/>
+          </p:nvPr>
+        </p:nvSpPr>
+        <p:spPr/>
+        <p:txBody>
+          <a:bodyPr/>
+          <a:lstStyle/>
+          <a:p>
+            <a:endParaRPr lang="pt-BR" dirty="0"/>
+          </a:p>
+        </p:txBody>
+      </p:sp>
+      <p:sp>
+        <p:nvSpPr>
+          <p:cNvPr id="4" name="Espaço Reservado para Número de Slide 3"/>
+          <p:cNvSpPr>
+            <a:spLocks noGrp="1"/>
+          </p:cNvSpPr>
+          <p:nvPr>
+            <p:ph type="sldNum" sz="quarter" idx="10"/>
+          </p:nvPr>
+        </p:nvSpPr>
+        <p:spPr/>
+        <p:txBody>
+          <a:bodyPr/>
+          <a:lstStyle/>
+          <a:p>
+            <a:pPr rtl="0"/>
+            <a:fld id="{841221E5-7225-48EB-A4EE-420E7BFCF705}" type="slidenum">
+              <a:rPr lang="pt-BR" smtClean="0"/>
+              <a:pPr rtl="0"/>
+              <a:t>24</a:t>
             </a:fld>
             <a:endParaRPr lang="pt-BR" dirty="0"/>
           </a:p>
@@ -28839,7 +28926,7 @@
             <a:pPr rtl="0"/>
             <a:fld id="{DD890023-A3CE-4802-A971-C6CC1177E3C2}" type="datetime1">
               <a:rPr lang="pt-BR" noProof="0" smtClean="0"/>
-              <a:t>03/04/2020</a:t>
+              <a:t>13/08/2020</a:t>
             </a:fld>
             <a:endParaRPr lang="pt-BR" noProof="0" dirty="0"/>
           </a:p>
@@ -29067,7 +29154,7 @@
             <a:pPr rtl="0"/>
             <a:fld id="{AEE2F3EF-1015-42DA-A78D-74101DDF1CDB}" type="datetime1">
               <a:rPr lang="pt-BR" noProof="0" smtClean="0"/>
-              <a:t>03/04/2020</a:t>
+              <a:t>13/08/2020</a:t>
             </a:fld>
             <a:endParaRPr lang="pt-BR" noProof="0" dirty="0"/>
           </a:p>
@@ -29890,7 +29977,7 @@
             <a:pPr rtl="0"/>
             <a:fld id="{FCE82E31-3D62-4E23-A08D-B97EA261CAA1}" type="datetime1">
               <a:rPr lang="pt-BR" noProof="0" smtClean="0"/>
-              <a:t>03/04/2020</a:t>
+              <a:t>13/08/2020</a:t>
             </a:fld>
             <a:endParaRPr lang="pt-BR" noProof="0" dirty="0"/>
           </a:p>
@@ -30096,7 +30183,7 @@
             <a:pPr rtl="0"/>
             <a:fld id="{2FFCF2A4-8363-4A87-8FC5-C0B860B87B7C}" type="datetime1">
               <a:rPr lang="pt-BR" noProof="0" smtClean="0"/>
-              <a:t>03/04/2020</a:t>
+              <a:t>13/08/2020</a:t>
             </a:fld>
             <a:endParaRPr lang="pt-BR" noProof="0" dirty="0"/>
           </a:p>
@@ -31366,7 +31453,7 @@
             <a:pPr rtl="0"/>
             <a:fld id="{0C7A9ED6-F20A-4CC8-A963-787BA5C7134B}" type="datetime1">
               <a:rPr lang="pt-BR" noProof="0" smtClean="0"/>
-              <a:t>03/04/2020</a:t>
+              <a:t>13/08/2020</a:t>
             </a:fld>
             <a:endParaRPr lang="pt-BR" noProof="0" dirty="0"/>
           </a:p>
@@ -31696,7 +31783,7 @@
             <a:pPr rtl="0"/>
             <a:fld id="{10A6AAAA-2020-4F81-9859-0BD1DA0E3C50}" type="datetime1">
               <a:rPr lang="pt-BR" noProof="0" smtClean="0"/>
-              <a:t>03/04/2020</a:t>
+              <a:t>13/08/2020</a:t>
             </a:fld>
             <a:endParaRPr lang="pt-BR" noProof="0" dirty="0"/>
           </a:p>
@@ -32152,7 +32239,7 @@
             <a:pPr rtl="0"/>
             <a:fld id="{BECC5C0D-A924-4066-8D76-C1D7F6C7009F}" type="datetime1">
               <a:rPr lang="pt-BR" noProof="0" smtClean="0"/>
-              <a:t>03/04/2020</a:t>
+              <a:t>13/08/2020</a:t>
             </a:fld>
             <a:endParaRPr lang="pt-BR" noProof="0" dirty="0"/>
           </a:p>
@@ -32290,7 +32377,7 @@
             <a:pPr rtl="0"/>
             <a:fld id="{36E2E1D1-C512-4D57-88F6-68B04541D5CC}" type="datetime1">
               <a:rPr lang="pt-BR" noProof="0" smtClean="0"/>
-              <a:t>03/04/2020</a:t>
+              <a:t>13/08/2020</a:t>
             </a:fld>
             <a:endParaRPr lang="pt-BR" noProof="0" dirty="0"/>
           </a:p>
@@ -32632,7 +32719,7 @@
             <a:pPr rtl="0"/>
             <a:fld id="{6AB513BF-0195-432E-8B63-42F034306DFF}" type="datetime1">
               <a:rPr lang="pt-BR" noProof="0" smtClean="0"/>
-              <a:t>03/04/2020</a:t>
+              <a:t>13/08/2020</a:t>
             </a:fld>
             <a:endParaRPr lang="pt-BR" noProof="0" dirty="0"/>
           </a:p>
@@ -33132,7 +33219,7 @@
             <a:pPr rtl="0"/>
             <a:fld id="{952D9CB3-6567-4520-B90F-8DD12A720AF0}" type="datetime1">
               <a:rPr lang="pt-BR" noProof="0" smtClean="0"/>
-              <a:t>03/04/2020</a:t>
+              <a:t>13/08/2020</a:t>
             </a:fld>
             <a:endParaRPr lang="pt-BR" noProof="0" dirty="0"/>
           </a:p>
@@ -33589,7 +33676,7 @@
             <a:pPr rtl="0"/>
             <a:fld id="{C791153B-CCC8-40B9-A878-7E34A2BB63E7}" type="datetime1">
               <a:rPr lang="pt-BR" noProof="0" smtClean="0"/>
-              <a:t>03/04/2020</a:t>
+              <a:t>13/08/2020</a:t>
             </a:fld>
             <a:endParaRPr lang="pt-BR" noProof="0" dirty="0"/>
           </a:p>
@@ -34493,7 +34580,7 @@
             <a:pPr rtl="0"/>
             <a:fld id="{21EB96FB-FCD3-46A5-BA03-BBDC448DEFF9}" type="datetime1">
               <a:rPr lang="pt-BR" noProof="0" smtClean="0"/>
-              <a:t>03/04/2020</a:t>
+              <a:t>13/08/2020</a:t>
             </a:fld>
             <a:endParaRPr lang="pt-BR" noProof="0" dirty="0"/>
           </a:p>
@@ -35319,13 +35406,13 @@
   <p:clrMapOvr>
     <a:masterClrMapping/>
   </p:clrMapOvr>
-  <mc:AlternateContent xmlns:mc="http://schemas.openxmlformats.org/markup-compatibility/2006">
-    <mc:Choice xmlns:p14="http://schemas.microsoft.com/office/powerpoint/2010/main" Requires="p14">
+  <mc:AlternateContent xmlns:mc="http://schemas.openxmlformats.org/markup-compatibility/2006" xmlns:p14="http://schemas.microsoft.com/office/powerpoint/2010/main">
+    <mc:Choice Requires="p14">
       <p:transition spd="med" p14:dur="700">
         <p:fade/>
       </p:transition>
     </mc:Choice>
-    <mc:Fallback>
+    <mc:Fallback xmlns="">
       <p:transition spd="med">
         <p:fade/>
       </p:transition>
@@ -35551,34 +35638,8 @@
           </a:p>
         </p:txBody>
       </p:sp>
-      <p:sp>
-        <p:nvSpPr>
-          <p:cNvPr id="7" name="Espaço reservado para conteúdo 6"/>
-          <p:cNvSpPr>
-            <a:spLocks noGrp="1"/>
-          </p:cNvSpPr>
-          <p:nvPr>
-            <p:ph sz="half" idx="2"/>
-          </p:nvPr>
-        </p:nvSpPr>
-        <p:spPr>
-          <a:xfrm>
-            <a:off x="7318547" y="1600200"/>
-            <a:ext cx="4057689" cy="4572000"/>
-          </a:xfrm>
-        </p:spPr>
-        <p:txBody>
-          <a:bodyPr rtlCol="0">
-            <a:normAutofit/>
-          </a:bodyPr>
-          <a:lstStyle/>
-          <a:p>
-            <a:endParaRPr lang="pt-BR" dirty="0"/>
-          </a:p>
-        </p:txBody>
-      </p:sp>
-      <mc:AlternateContent xmlns:mc="http://schemas.openxmlformats.org/markup-compatibility/2006">
-        <mc:Choice xmlns:a14="http://schemas.microsoft.com/office/drawing/2010/main" Requires="a14">
+      <mc:AlternateContent xmlns:mc="http://schemas.openxmlformats.org/markup-compatibility/2006" xmlns:a14="http://schemas.microsoft.com/office/drawing/2010/main">
+        <mc:Choice Requires="a14">
           <p:sp>
             <p:nvSpPr>
               <p:cNvPr id="4" name="Espaço Reservado para Conteúdo 3">
@@ -35704,7 +35765,7 @@
             </p:txBody>
           </p:sp>
         </mc:Choice>
-        <mc:Fallback>
+        <mc:Fallback xmlns="">
           <p:sp>
             <p:nvSpPr>
               <p:cNvPr id="4" name="Espaço Reservado para Conteúdo 3">
@@ -35856,8 +35917,8 @@
           </a:p>
         </p:txBody>
       </p:sp>
-      <mc:AlternateContent xmlns:mc="http://schemas.openxmlformats.org/markup-compatibility/2006">
-        <mc:Choice xmlns:a14="http://schemas.microsoft.com/office/drawing/2010/main" Requires="a14">
+      <mc:AlternateContent xmlns:mc="http://schemas.openxmlformats.org/markup-compatibility/2006" xmlns:a14="http://schemas.microsoft.com/office/drawing/2010/main">
+        <mc:Choice Requires="a14">
           <p:sp>
             <p:nvSpPr>
               <p:cNvPr id="8" name="CaixaDeTexto 7">
@@ -36046,7 +36107,7 @@
             </p:txBody>
           </p:sp>
         </mc:Choice>
-        <mc:Fallback>
+        <mc:Fallback xmlns="">
           <p:sp>
             <p:nvSpPr>
               <p:cNvPr id="8" name="CaixaDeTexto 7">
@@ -36101,13 +36162,13 @@
   <p:clrMapOvr>
     <a:masterClrMapping/>
   </p:clrMapOvr>
-  <mc:AlternateContent xmlns:mc="http://schemas.openxmlformats.org/markup-compatibility/2006">
-    <mc:Choice xmlns:p14="http://schemas.microsoft.com/office/powerpoint/2010/main" Requires="p14">
+  <mc:AlternateContent xmlns:mc="http://schemas.openxmlformats.org/markup-compatibility/2006" xmlns:p14="http://schemas.microsoft.com/office/powerpoint/2010/main">
+    <mc:Choice Requires="p14">
       <p:transition spd="med" p14:dur="700">
         <p:fade/>
       </p:transition>
     </mc:Choice>
-    <mc:Fallback>
+    <mc:Fallback xmlns="">
       <p:transition spd="med">
         <p:fade/>
       </p:transition>
@@ -36117,6 +36178,1171 @@
 </file>
 
 <file path=ppt/slides/slide12.xml><?xml version="1.0" encoding="utf-8"?>
+<p:sld xmlns:a="http://schemas.openxmlformats.org/drawingml/2006/main" xmlns:r="http://schemas.openxmlformats.org/officeDocument/2006/relationships" xmlns:p="http://schemas.openxmlformats.org/presentationml/2006/main">
+  <p:cSld>
+    <p:spTree>
+      <p:nvGrpSpPr>
+        <p:cNvPr id="1" name=""/>
+        <p:cNvGrpSpPr/>
+        <p:nvPr/>
+      </p:nvGrpSpPr>
+      <p:grpSpPr>
+        <a:xfrm>
+          <a:off x="0" y="0"/>
+          <a:ext cx="0" cy="0"/>
+          <a:chOff x="0" y="0"/>
+          <a:chExt cx="0" cy="0"/>
+        </a:xfrm>
+      </p:grpSpPr>
+      <p:sp>
+        <p:nvSpPr>
+          <p:cNvPr id="2" name="Título 1"/>
+          <p:cNvSpPr>
+            <a:spLocks noGrp="1"/>
+          </p:cNvSpPr>
+          <p:nvPr>
+            <p:ph type="title"/>
+          </p:nvPr>
+        </p:nvSpPr>
+        <p:spPr/>
+        <p:txBody>
+          <a:bodyPr rtlCol="0"/>
+          <a:lstStyle/>
+          <a:p>
+            <a:pPr rtl="0"/>
+            <a:r>
+              <a:rPr lang="pt-BR" dirty="0"/>
+              <a:t>Fórmula de Bhaskara</a:t>
+            </a:r>
+          </a:p>
+        </p:txBody>
+      </p:sp>
+      <mc:AlternateContent xmlns:mc="http://schemas.openxmlformats.org/markup-compatibility/2006" xmlns:a14="http://schemas.microsoft.com/office/drawing/2010/main">
+        <mc:Choice Requires="a14">
+          <p:sp>
+            <p:nvSpPr>
+              <p:cNvPr id="4" name="Espaço Reservado para Conteúdo 3">
+                <a:extLst>
+                  <a:ext uri="{FF2B5EF4-FFF2-40B4-BE49-F238E27FC236}">
+                    <a16:creationId xmlns:a16="http://schemas.microsoft.com/office/drawing/2014/main" id="{CD4D8C64-5AC0-48DB-8217-55B60195884B}"/>
+                  </a:ext>
+                </a:extLst>
+              </p:cNvPr>
+              <p:cNvSpPr>
+                <a:spLocks noGrp="1"/>
+              </p:cNvSpPr>
+              <p:nvPr>
+                <p:ph sz="half" idx="1"/>
+              </p:nvPr>
+            </p:nvSpPr>
+            <p:spPr>
+              <a:xfrm>
+                <a:off x="1593436" y="1594373"/>
+                <a:ext cx="5509088" cy="1474587"/>
+              </a:xfrm>
+            </p:spPr>
+            <p:txBody>
+              <a:bodyPr>
+                <a:normAutofit/>
+              </a:bodyPr>
+              <a:lstStyle/>
+              <a:p>
+                <a:r>
+                  <a:rPr lang="en-US" sz="3200" dirty="0"/>
+                  <a:t>x</a:t>
+                </a:r>
+                <a14:m>
+                  <m:oMath xmlns:m="http://schemas.openxmlformats.org/officeDocument/2006/math">
+                    <m:r>
+                      <a:rPr lang="en-US" sz="3200" i="1" smtClean="0">
+                        <a:latin typeface="Cambria Math" panose="02040503050406030204" pitchFamily="18" charset="0"/>
+                      </a:rPr>
+                      <m:t>=</m:t>
+                    </m:r>
+                    <m:f>
+                      <m:fPr>
+                        <m:ctrlPr>
+                          <a:rPr lang="en-US" sz="3200" i="1" smtClean="0">
+                            <a:latin typeface="Cambria Math" panose="02040503050406030204" pitchFamily="18" charset="0"/>
+                          </a:rPr>
+                        </m:ctrlPr>
+                      </m:fPr>
+                      <m:num>
+                        <m:r>
+                          <a:rPr lang="en-US" sz="3200" i="1" smtClean="0">
+                            <a:latin typeface="Cambria Math" panose="02040503050406030204" pitchFamily="18" charset="0"/>
+                          </a:rPr>
+                          <m:t>−</m:t>
+                        </m:r>
+                        <m:r>
+                          <a:rPr lang="en-US" sz="3200" i="1" smtClean="0">
+                            <a:latin typeface="Cambria Math" panose="02040503050406030204" pitchFamily="18" charset="0"/>
+                          </a:rPr>
+                          <m:t>𝑏</m:t>
+                        </m:r>
+                        <m:r>
+                          <a:rPr lang="en-US" sz="3200" i="1" smtClean="0">
+                            <a:latin typeface="Cambria Math" panose="02040503050406030204" pitchFamily="18" charset="0"/>
+                          </a:rPr>
+                          <m:t>±</m:t>
+                        </m:r>
+                        <m:rad>
+                          <m:radPr>
+                            <m:degHide m:val="on"/>
+                            <m:ctrlPr>
+                              <a:rPr lang="en-US" sz="3200" i="1" smtClean="0">
+                                <a:latin typeface="Cambria Math" panose="02040503050406030204" pitchFamily="18" charset="0"/>
+                              </a:rPr>
+                            </m:ctrlPr>
+                          </m:radPr>
+                          <m:deg/>
+                          <m:e>
+                            <m:r>
+                              <m:rPr>
+                                <m:nor/>
+                              </m:rPr>
+                              <a:rPr lang="el-GR" sz="3200" dirty="0"/>
+                              <m:t>Δ</m:t>
+                            </m:r>
+                          </m:e>
+                        </m:rad>
+                      </m:num>
+                      <m:den>
+                        <m:r>
+                          <a:rPr lang="en-US" sz="3200" i="1" smtClean="0">
+                            <a:latin typeface="Cambria Math" panose="02040503050406030204" pitchFamily="18" charset="0"/>
+                          </a:rPr>
+                          <m:t>2</m:t>
+                        </m:r>
+                        <m:r>
+                          <a:rPr lang="pt-BR" sz="3200" b="0" i="1" smtClean="0">
+                            <a:latin typeface="Cambria Math" panose="02040503050406030204" pitchFamily="18" charset="0"/>
+                          </a:rPr>
+                          <m:t>∗</m:t>
+                        </m:r>
+                        <m:r>
+                          <a:rPr lang="en-US" sz="3200" i="1" smtClean="0">
+                            <a:latin typeface="Cambria Math" panose="02040503050406030204" pitchFamily="18" charset="0"/>
+                          </a:rPr>
+                          <m:t>𝑎</m:t>
+                        </m:r>
+                      </m:den>
+                    </m:f>
+                  </m:oMath>
+                </a14:m>
+                <a:endParaRPr lang="pt-BR" dirty="0"/>
+              </a:p>
+              <a:p>
+                <a:endParaRPr lang="pt-BR" dirty="0"/>
+              </a:p>
+              <a:p>
+                <a:endParaRPr lang="el-GR" dirty="0"/>
+              </a:p>
+              <a:p>
+                <a:endParaRPr lang="el-GR" dirty="0"/>
+              </a:p>
+            </p:txBody>
+          </p:sp>
+        </mc:Choice>
+        <mc:Fallback xmlns="">
+          <p:sp>
+            <p:nvSpPr>
+              <p:cNvPr id="4" name="Espaço Reservado para Conteúdo 3">
+                <a:extLst>
+                  <a:ext uri="{FF2B5EF4-FFF2-40B4-BE49-F238E27FC236}">
+                    <a16:creationId xmlns:a16="http://schemas.microsoft.com/office/drawing/2014/main" id="{CD4D8C64-5AC0-48DB-8217-55B60195884B}"/>
+                  </a:ext>
+                </a:extLst>
+              </p:cNvPr>
+              <p:cNvSpPr>
+                <a:spLocks noGrp="1" noRot="1" noChangeAspect="1" noMove="1" noResize="1" noEditPoints="1" noAdjustHandles="1" noChangeArrowheads="1" noChangeShapeType="1" noTextEdit="1"/>
+              </p:cNvSpPr>
+              <p:nvPr>
+                <p:ph sz="half" idx="1"/>
+              </p:nvPr>
+            </p:nvSpPr>
+            <p:spPr>
+              <a:xfrm>
+                <a:off x="1593436" y="1594373"/>
+                <a:ext cx="5509088" cy="1474587"/>
+              </a:xfrm>
+              <a:blipFill>
+                <a:blip r:embed="rId3"/>
+                <a:stretch>
+                  <a:fillRect l="-3208"/>
+                </a:stretch>
+              </a:blipFill>
+            </p:spPr>
+            <p:txBody>
+              <a:bodyPr/>
+              <a:lstStyle/>
+              <a:p>
+                <a:r>
+                  <a:rPr lang="pt-BR">
+                    <a:noFill/>
+                  </a:rPr>
+                  <a:t> </a:t>
+                </a:r>
+              </a:p>
+            </p:txBody>
+          </p:sp>
+        </mc:Fallback>
+      </mc:AlternateContent>
+      <p:sp>
+        <p:nvSpPr>
+          <p:cNvPr id="3" name="Espaço Reservado para Rodapé 2">
+            <a:extLst>
+              <a:ext uri="{FF2B5EF4-FFF2-40B4-BE49-F238E27FC236}">
+                <a16:creationId xmlns:a16="http://schemas.microsoft.com/office/drawing/2014/main" id="{4440812E-F2C4-4949-B97C-AC9B33357AEE}"/>
+              </a:ext>
+            </a:extLst>
+          </p:cNvPr>
+          <p:cNvSpPr>
+            <a:spLocks noGrp="1"/>
+          </p:cNvSpPr>
+          <p:nvPr>
+            <p:ph type="ftr" sz="quarter" idx="11"/>
+          </p:nvPr>
+        </p:nvSpPr>
+        <p:spPr/>
+        <p:txBody>
+          <a:bodyPr/>
+          <a:lstStyle/>
+          <a:p>
+            <a:pPr rtl="0"/>
+            <a:r>
+              <a:rPr lang="pt-BR" noProof="0"/>
+              <a:t>Eric Sampaio</a:t>
+            </a:r>
+            <a:endParaRPr lang="pt-BR" noProof="0" dirty="0"/>
+          </a:p>
+        </p:txBody>
+      </p:sp>
+      <p:sp>
+        <p:nvSpPr>
+          <p:cNvPr id="5" name="Espaço Reservado para Número de Slide 4">
+            <a:extLst>
+              <a:ext uri="{FF2B5EF4-FFF2-40B4-BE49-F238E27FC236}">
+                <a16:creationId xmlns:a16="http://schemas.microsoft.com/office/drawing/2014/main" id="{1A662EDD-1DA1-4DEE-ADBB-40489E7812DB}"/>
+              </a:ext>
+            </a:extLst>
+          </p:cNvPr>
+          <p:cNvSpPr>
+            <a:spLocks noGrp="1"/>
+          </p:cNvSpPr>
+          <p:nvPr>
+            <p:ph type="sldNum" sz="quarter" idx="12"/>
+          </p:nvPr>
+        </p:nvSpPr>
+        <p:spPr/>
+        <p:txBody>
+          <a:bodyPr/>
+          <a:lstStyle/>
+          <a:p>
+            <a:pPr rtl="0"/>
+            <a:fld id="{7DC1BBB0-96F0-4077-A278-0F3FB5C104D3}" type="slidenum">
+              <a:rPr lang="pt-BR" noProof="0" smtClean="0"/>
+              <a:t>12</a:t>
+            </a:fld>
+            <a:endParaRPr lang="pt-BR" noProof="0" dirty="0"/>
+          </a:p>
+        </p:txBody>
+      </p:sp>
+      <p:sp>
+        <p:nvSpPr>
+          <p:cNvPr id="6" name="CaixaDeTexto 5">
+            <a:extLst>
+              <a:ext uri="{FF2B5EF4-FFF2-40B4-BE49-F238E27FC236}">
+                <a16:creationId xmlns:a16="http://schemas.microsoft.com/office/drawing/2014/main" id="{4C8F6951-1594-4089-8A1A-9245AA6B3C53}"/>
+              </a:ext>
+            </a:extLst>
+          </p:cNvPr>
+          <p:cNvSpPr txBox="1"/>
+          <p:nvPr/>
+        </p:nvSpPr>
+        <p:spPr>
+          <a:xfrm>
+            <a:off x="1701924" y="3239869"/>
+            <a:ext cx="2736304" cy="861774"/>
+          </a:xfrm>
+          <a:prstGeom prst="rect">
+            <a:avLst/>
+          </a:prstGeom>
+          <a:noFill/>
+        </p:spPr>
+        <p:txBody>
+          <a:bodyPr wrap="square" rtlCol="0">
+            <a:spAutoFit/>
+          </a:bodyPr>
+          <a:lstStyle/>
+          <a:p>
+            <a:r>
+              <a:rPr lang="el-GR" sz="3200" dirty="0">
+                <a:latin typeface="Cambria Math" panose="02040503050406030204" pitchFamily="18" charset="0"/>
+                <a:ea typeface="Cambria Math" panose="02040503050406030204" pitchFamily="18" charset="0"/>
+              </a:rPr>
+              <a:t>Δ</a:t>
+            </a:r>
+            <a:r>
+              <a:rPr lang="pt-BR" sz="3200" dirty="0">
+                <a:latin typeface="Cambria Math" panose="02040503050406030204" pitchFamily="18" charset="0"/>
+                <a:ea typeface="Cambria Math" panose="02040503050406030204" pitchFamily="18" charset="0"/>
+              </a:rPr>
+              <a:t> = b²-4*a*c</a:t>
+            </a:r>
+          </a:p>
+          <a:p>
+            <a:endParaRPr lang="pt-BR" dirty="0"/>
+          </a:p>
+        </p:txBody>
+      </p:sp>
+      <mc:AlternateContent xmlns:mc="http://schemas.openxmlformats.org/markup-compatibility/2006" xmlns:a14="http://schemas.microsoft.com/office/drawing/2010/main">
+        <mc:Choice Requires="a14">
+          <p:sp>
+            <p:nvSpPr>
+              <p:cNvPr id="8" name="CaixaDeTexto 7">
+                <a:extLst>
+                  <a:ext uri="{FF2B5EF4-FFF2-40B4-BE49-F238E27FC236}">
+                    <a16:creationId xmlns:a16="http://schemas.microsoft.com/office/drawing/2014/main" id="{89A767CA-8BC9-44AB-BB4F-B5046E642772}"/>
+                  </a:ext>
+                </a:extLst>
+              </p:cNvPr>
+              <p:cNvSpPr txBox="1"/>
+              <p:nvPr/>
+            </p:nvSpPr>
+            <p:spPr>
+              <a:xfrm>
+                <a:off x="1845940" y="4437112"/>
+                <a:ext cx="3067271" cy="1180836"/>
+              </a:xfrm>
+              <a:prstGeom prst="rect">
+                <a:avLst/>
+              </a:prstGeom>
+              <a:noFill/>
+            </p:spPr>
+            <p:txBody>
+              <a:bodyPr wrap="square" rtlCol="0">
+                <a:spAutoFit/>
+              </a:bodyPr>
+              <a:lstStyle/>
+              <a:p>
+                <a:r>
+                  <a:rPr lang="en-US" sz="3200" dirty="0"/>
+                  <a:t>x= </a:t>
+                </a:r>
+                <a14:m>
+                  <m:oMath xmlns:m="http://schemas.openxmlformats.org/officeDocument/2006/math">
+                    <m:f>
+                      <m:fPr>
+                        <m:ctrlPr>
+                          <a:rPr lang="en-US" sz="3200" i="1">
+                            <a:latin typeface="Cambria Math" panose="02040503050406030204" pitchFamily="18" charset="0"/>
+                          </a:rPr>
+                        </m:ctrlPr>
+                      </m:fPr>
+                      <m:num>
+                        <m:r>
+                          <a:rPr lang="en-US" sz="3200" i="1">
+                            <a:latin typeface="Cambria Math" panose="02040503050406030204" pitchFamily="18" charset="0"/>
+                          </a:rPr>
+                          <m:t>−</m:t>
+                        </m:r>
+                        <m:r>
+                          <a:rPr lang="en-US" sz="3200" i="1">
+                            <a:latin typeface="Cambria Math" panose="02040503050406030204" pitchFamily="18" charset="0"/>
+                          </a:rPr>
+                          <m:t>𝑏</m:t>
+                        </m:r>
+                        <m:r>
+                          <a:rPr lang="en-US" sz="3200" i="1">
+                            <a:latin typeface="Cambria Math" panose="02040503050406030204" pitchFamily="18" charset="0"/>
+                          </a:rPr>
+                          <m:t>±</m:t>
+                        </m:r>
+                        <m:rad>
+                          <m:radPr>
+                            <m:degHide m:val="on"/>
+                            <m:ctrlPr>
+                              <a:rPr lang="en-US" sz="3200" i="1" smtClean="0">
+                                <a:latin typeface="Cambria Math" panose="02040503050406030204" pitchFamily="18" charset="0"/>
+                              </a:rPr>
+                            </m:ctrlPr>
+                          </m:radPr>
+                          <m:deg/>
+                          <m:e>
+                            <m:sSup>
+                              <m:sSupPr>
+                                <m:ctrlPr>
+                                  <a:rPr lang="en-US" sz="3200" i="1" smtClean="0">
+                                    <a:solidFill>
+                                      <a:srgbClr val="FF0000"/>
+                                    </a:solidFill>
+                                    <a:latin typeface="Cambria Math" panose="02040503050406030204" pitchFamily="18" charset="0"/>
+                                  </a:rPr>
+                                </m:ctrlPr>
+                              </m:sSupPr>
+                              <m:e>
+                                <m:r>
+                                  <a:rPr lang="en-US" sz="3200" i="1">
+                                    <a:solidFill>
+                                      <a:srgbClr val="FF0000"/>
+                                    </a:solidFill>
+                                    <a:latin typeface="Cambria Math" panose="02040503050406030204" pitchFamily="18" charset="0"/>
+                                  </a:rPr>
+                                  <m:t>𝑏</m:t>
+                                </m:r>
+                              </m:e>
+                              <m:sup>
+                                <m:r>
+                                  <a:rPr lang="en-US" sz="3200" i="1">
+                                    <a:solidFill>
+                                      <a:srgbClr val="FF0000"/>
+                                    </a:solidFill>
+                                    <a:latin typeface="Cambria Math" panose="02040503050406030204" pitchFamily="18" charset="0"/>
+                                  </a:rPr>
+                                  <m:t>2</m:t>
+                                </m:r>
+                              </m:sup>
+                            </m:sSup>
+                            <m:r>
+                              <a:rPr lang="en-US" sz="3200" i="1">
+                                <a:solidFill>
+                                  <a:srgbClr val="FF0000"/>
+                                </a:solidFill>
+                                <a:latin typeface="Cambria Math" panose="02040503050406030204" pitchFamily="18" charset="0"/>
+                              </a:rPr>
+                              <m:t>−4</m:t>
+                            </m:r>
+                            <m:r>
+                              <a:rPr lang="pt-BR" sz="3200" b="0" i="1" smtClean="0">
+                                <a:solidFill>
+                                  <a:srgbClr val="FF0000"/>
+                                </a:solidFill>
+                                <a:latin typeface="Cambria Math" panose="02040503050406030204" pitchFamily="18" charset="0"/>
+                              </a:rPr>
+                              <m:t>∗</m:t>
+                            </m:r>
+                            <m:r>
+                              <a:rPr lang="en-US" sz="3200" i="1">
+                                <a:solidFill>
+                                  <a:srgbClr val="FF0000"/>
+                                </a:solidFill>
+                                <a:latin typeface="Cambria Math" panose="02040503050406030204" pitchFamily="18" charset="0"/>
+                              </a:rPr>
+                              <m:t>𝑎</m:t>
+                            </m:r>
+                            <m:r>
+                              <a:rPr lang="pt-BR" sz="3200" b="0" i="1" smtClean="0">
+                                <a:solidFill>
+                                  <a:srgbClr val="FF0000"/>
+                                </a:solidFill>
+                                <a:latin typeface="Cambria Math" panose="02040503050406030204" pitchFamily="18" charset="0"/>
+                              </a:rPr>
+                              <m:t>∗</m:t>
+                            </m:r>
+                            <m:r>
+                              <a:rPr lang="en-US" sz="3200" i="1">
+                                <a:solidFill>
+                                  <a:srgbClr val="FF0000"/>
+                                </a:solidFill>
+                                <a:latin typeface="Cambria Math" panose="02040503050406030204" pitchFamily="18" charset="0"/>
+                              </a:rPr>
+                              <m:t>𝑐</m:t>
+                            </m:r>
+                          </m:e>
+                        </m:rad>
+                      </m:num>
+                      <m:den>
+                        <m:r>
+                          <a:rPr lang="en-US" sz="3200" i="1">
+                            <a:latin typeface="Cambria Math" panose="02040503050406030204" pitchFamily="18" charset="0"/>
+                          </a:rPr>
+                          <m:t>2</m:t>
+                        </m:r>
+                        <m:r>
+                          <a:rPr lang="pt-BR" sz="3200" b="0" i="1" smtClean="0">
+                            <a:latin typeface="Cambria Math" panose="02040503050406030204" pitchFamily="18" charset="0"/>
+                          </a:rPr>
+                          <m:t>∗</m:t>
+                        </m:r>
+                        <m:r>
+                          <a:rPr lang="en-US" sz="3200" i="1">
+                            <a:latin typeface="Cambria Math" panose="02040503050406030204" pitchFamily="18" charset="0"/>
+                          </a:rPr>
+                          <m:t>𝑎</m:t>
+                        </m:r>
+                      </m:den>
+                    </m:f>
+                  </m:oMath>
+                </a14:m>
+                <a:r>
+                  <a:rPr lang="pt-BR" sz="3200" dirty="0"/>
+                  <a:t> </a:t>
+                </a:r>
+              </a:p>
+              <a:p>
+                <a:endParaRPr lang="pt-BR" dirty="0"/>
+              </a:p>
+            </p:txBody>
+          </p:sp>
+        </mc:Choice>
+        <mc:Fallback xmlns="">
+          <p:sp>
+            <p:nvSpPr>
+              <p:cNvPr id="8" name="CaixaDeTexto 7">
+                <a:extLst>
+                  <a:ext uri="{FF2B5EF4-FFF2-40B4-BE49-F238E27FC236}">
+                    <a16:creationId xmlns:a16="http://schemas.microsoft.com/office/drawing/2014/main" id="{89A767CA-8BC9-44AB-BB4F-B5046E642772}"/>
+                  </a:ext>
+                </a:extLst>
+              </p:cNvPr>
+              <p:cNvSpPr txBox="1">
+                <a:spLocks noRot="1" noChangeAspect="1" noMove="1" noResize="1" noEditPoints="1" noAdjustHandles="1" noChangeArrowheads="1" noChangeShapeType="1" noTextEdit="1"/>
+              </p:cNvSpPr>
+              <p:nvPr/>
+            </p:nvSpPr>
+            <p:spPr>
+              <a:xfrm>
+                <a:off x="1845940" y="4437112"/>
+                <a:ext cx="3067271" cy="1180836"/>
+              </a:xfrm>
+              <a:prstGeom prst="rect">
+                <a:avLst/>
+              </a:prstGeom>
+              <a:blipFill>
+                <a:blip r:embed="rId4"/>
+                <a:stretch>
+                  <a:fillRect l="-5169"/>
+                </a:stretch>
+              </a:blipFill>
+            </p:spPr>
+            <p:txBody>
+              <a:bodyPr/>
+              <a:lstStyle/>
+              <a:p>
+                <a:r>
+                  <a:rPr lang="pt-BR">
+                    <a:noFill/>
+                  </a:rPr>
+                  <a:t> </a:t>
+                </a:r>
+              </a:p>
+            </p:txBody>
+          </p:sp>
+        </mc:Fallback>
+      </mc:AlternateContent>
+      <mc:AlternateContent xmlns:mc="http://schemas.openxmlformats.org/markup-compatibility/2006" xmlns:a14="http://schemas.microsoft.com/office/drawing/2010/main">
+        <mc:Choice Requires="a14">
+          <p:sp>
+            <p:nvSpPr>
+              <p:cNvPr id="9" name="CaixaDeTexto 8">
+                <a:extLst>
+                  <a:ext uri="{FF2B5EF4-FFF2-40B4-BE49-F238E27FC236}">
+                    <a16:creationId xmlns:a16="http://schemas.microsoft.com/office/drawing/2014/main" id="{E0857BDE-8DFD-4055-82E9-EB523E182167}"/>
+                  </a:ext>
+                </a:extLst>
+              </p:cNvPr>
+              <p:cNvSpPr txBox="1"/>
+              <p:nvPr/>
+            </p:nvSpPr>
+            <p:spPr>
+              <a:xfrm>
+                <a:off x="6096084" y="3239869"/>
+                <a:ext cx="3067271" cy="1180836"/>
+              </a:xfrm>
+              <a:prstGeom prst="rect">
+                <a:avLst/>
+              </a:prstGeom>
+              <a:noFill/>
+            </p:spPr>
+            <p:txBody>
+              <a:bodyPr wrap="square" rtlCol="0">
+                <a:spAutoFit/>
+              </a:bodyPr>
+              <a:lstStyle/>
+              <a:p>
+                <a:r>
+                  <a:rPr lang="en-US" sz="3200" dirty="0"/>
+                  <a:t>x= </a:t>
+                </a:r>
+                <a14:m>
+                  <m:oMath xmlns:m="http://schemas.openxmlformats.org/officeDocument/2006/math">
+                    <m:f>
+                      <m:fPr>
+                        <m:ctrlPr>
+                          <a:rPr lang="en-US" sz="3200" i="1">
+                            <a:latin typeface="Cambria Math" panose="02040503050406030204" pitchFamily="18" charset="0"/>
+                          </a:rPr>
+                        </m:ctrlPr>
+                      </m:fPr>
+                      <m:num>
+                        <m:r>
+                          <a:rPr lang="en-US" sz="3200" i="1">
+                            <a:latin typeface="Cambria Math" panose="02040503050406030204" pitchFamily="18" charset="0"/>
+                          </a:rPr>
+                          <m:t>−</m:t>
+                        </m:r>
+                        <m:r>
+                          <a:rPr lang="en-US" sz="3200" i="1">
+                            <a:latin typeface="Cambria Math" panose="02040503050406030204" pitchFamily="18" charset="0"/>
+                          </a:rPr>
+                          <m:t>𝑏</m:t>
+                        </m:r>
+                        <m:r>
+                          <a:rPr lang="pt-BR" sz="3200" b="0" i="1" smtClean="0">
+                            <a:latin typeface="Cambria Math" panose="02040503050406030204" pitchFamily="18" charset="0"/>
+                          </a:rPr>
+                          <m:t>+</m:t>
+                        </m:r>
+                        <m:rad>
+                          <m:radPr>
+                            <m:degHide m:val="on"/>
+                            <m:ctrlPr>
+                              <a:rPr lang="en-US" sz="3200" i="1" smtClean="0">
+                                <a:latin typeface="Cambria Math" panose="02040503050406030204" pitchFamily="18" charset="0"/>
+                              </a:rPr>
+                            </m:ctrlPr>
+                          </m:radPr>
+                          <m:deg/>
+                          <m:e>
+                            <m:sSup>
+                              <m:sSupPr>
+                                <m:ctrlPr>
+                                  <a:rPr lang="en-US" sz="3200" i="1" smtClean="0">
+                                    <a:solidFill>
+                                      <a:srgbClr val="FF0000"/>
+                                    </a:solidFill>
+                                    <a:latin typeface="Cambria Math" panose="02040503050406030204" pitchFamily="18" charset="0"/>
+                                  </a:rPr>
+                                </m:ctrlPr>
+                              </m:sSupPr>
+                              <m:e>
+                                <m:r>
+                                  <a:rPr lang="en-US" sz="3200" i="1">
+                                    <a:solidFill>
+                                      <a:srgbClr val="FF0000"/>
+                                    </a:solidFill>
+                                    <a:latin typeface="Cambria Math" panose="02040503050406030204" pitchFamily="18" charset="0"/>
+                                  </a:rPr>
+                                  <m:t>𝑏</m:t>
+                                </m:r>
+                              </m:e>
+                              <m:sup>
+                                <m:r>
+                                  <a:rPr lang="en-US" sz="3200" i="1">
+                                    <a:solidFill>
+                                      <a:srgbClr val="FF0000"/>
+                                    </a:solidFill>
+                                    <a:latin typeface="Cambria Math" panose="02040503050406030204" pitchFamily="18" charset="0"/>
+                                  </a:rPr>
+                                  <m:t>2</m:t>
+                                </m:r>
+                              </m:sup>
+                            </m:sSup>
+                            <m:r>
+                              <a:rPr lang="en-US" sz="3200" i="1">
+                                <a:solidFill>
+                                  <a:srgbClr val="FF0000"/>
+                                </a:solidFill>
+                                <a:latin typeface="Cambria Math" panose="02040503050406030204" pitchFamily="18" charset="0"/>
+                              </a:rPr>
+                              <m:t>−4</m:t>
+                            </m:r>
+                            <m:r>
+                              <a:rPr lang="pt-BR" sz="3200" b="0" i="1" smtClean="0">
+                                <a:solidFill>
+                                  <a:srgbClr val="FF0000"/>
+                                </a:solidFill>
+                                <a:latin typeface="Cambria Math" panose="02040503050406030204" pitchFamily="18" charset="0"/>
+                              </a:rPr>
+                              <m:t>∗</m:t>
+                            </m:r>
+                            <m:r>
+                              <a:rPr lang="en-US" sz="3200" i="1">
+                                <a:solidFill>
+                                  <a:srgbClr val="FF0000"/>
+                                </a:solidFill>
+                                <a:latin typeface="Cambria Math" panose="02040503050406030204" pitchFamily="18" charset="0"/>
+                              </a:rPr>
+                              <m:t>𝑎</m:t>
+                            </m:r>
+                            <m:r>
+                              <a:rPr lang="pt-BR" sz="3200" b="0" i="1" smtClean="0">
+                                <a:solidFill>
+                                  <a:srgbClr val="FF0000"/>
+                                </a:solidFill>
+                                <a:latin typeface="Cambria Math" panose="02040503050406030204" pitchFamily="18" charset="0"/>
+                              </a:rPr>
+                              <m:t>∗</m:t>
+                            </m:r>
+                            <m:r>
+                              <a:rPr lang="en-US" sz="3200" i="1">
+                                <a:solidFill>
+                                  <a:srgbClr val="FF0000"/>
+                                </a:solidFill>
+                                <a:latin typeface="Cambria Math" panose="02040503050406030204" pitchFamily="18" charset="0"/>
+                              </a:rPr>
+                              <m:t>𝑐</m:t>
+                            </m:r>
+                          </m:e>
+                        </m:rad>
+                      </m:num>
+                      <m:den>
+                        <m:r>
+                          <a:rPr lang="en-US" sz="3200" i="1">
+                            <a:latin typeface="Cambria Math" panose="02040503050406030204" pitchFamily="18" charset="0"/>
+                          </a:rPr>
+                          <m:t>2</m:t>
+                        </m:r>
+                        <m:r>
+                          <a:rPr lang="pt-BR" sz="3200" b="0" i="1" smtClean="0">
+                            <a:latin typeface="Cambria Math" panose="02040503050406030204" pitchFamily="18" charset="0"/>
+                          </a:rPr>
+                          <m:t>∗</m:t>
+                        </m:r>
+                        <m:r>
+                          <a:rPr lang="en-US" sz="3200" i="1">
+                            <a:latin typeface="Cambria Math" panose="02040503050406030204" pitchFamily="18" charset="0"/>
+                          </a:rPr>
+                          <m:t>𝑎</m:t>
+                        </m:r>
+                      </m:den>
+                    </m:f>
+                  </m:oMath>
+                </a14:m>
+                <a:r>
+                  <a:rPr lang="pt-BR" sz="3200" dirty="0"/>
+                  <a:t> </a:t>
+                </a:r>
+              </a:p>
+              <a:p>
+                <a:endParaRPr lang="pt-BR" dirty="0"/>
+              </a:p>
+            </p:txBody>
+          </p:sp>
+        </mc:Choice>
+        <mc:Fallback xmlns="">
+          <p:sp>
+            <p:nvSpPr>
+              <p:cNvPr id="9" name="CaixaDeTexto 8">
+                <a:extLst>
+                  <a:ext uri="{FF2B5EF4-FFF2-40B4-BE49-F238E27FC236}">
+                    <a16:creationId xmlns:a16="http://schemas.microsoft.com/office/drawing/2014/main" id="{E0857BDE-8DFD-4055-82E9-EB523E182167}"/>
+                  </a:ext>
+                </a:extLst>
+              </p:cNvPr>
+              <p:cNvSpPr txBox="1">
+                <a:spLocks noRot="1" noChangeAspect="1" noMove="1" noResize="1" noEditPoints="1" noAdjustHandles="1" noChangeArrowheads="1" noChangeShapeType="1" noTextEdit="1"/>
+              </p:cNvSpPr>
+              <p:nvPr/>
+            </p:nvSpPr>
+            <p:spPr>
+              <a:xfrm>
+                <a:off x="6096084" y="3239869"/>
+                <a:ext cx="3067271" cy="1180836"/>
+              </a:xfrm>
+              <a:prstGeom prst="rect">
+                <a:avLst/>
+              </a:prstGeom>
+              <a:blipFill>
+                <a:blip r:embed="rId5"/>
+                <a:stretch>
+                  <a:fillRect l="-4970"/>
+                </a:stretch>
+              </a:blipFill>
+            </p:spPr>
+            <p:txBody>
+              <a:bodyPr/>
+              <a:lstStyle/>
+              <a:p>
+                <a:r>
+                  <a:rPr lang="pt-BR">
+                    <a:noFill/>
+                  </a:rPr>
+                  <a:t> </a:t>
+                </a:r>
+              </a:p>
+            </p:txBody>
+          </p:sp>
+        </mc:Fallback>
+      </mc:AlternateContent>
+      <mc:AlternateContent xmlns:mc="http://schemas.openxmlformats.org/markup-compatibility/2006" xmlns:a14="http://schemas.microsoft.com/office/drawing/2010/main">
+        <mc:Choice Requires="a14">
+          <p:sp>
+            <p:nvSpPr>
+              <p:cNvPr id="10" name="CaixaDeTexto 9">
+                <a:extLst>
+                  <a:ext uri="{FF2B5EF4-FFF2-40B4-BE49-F238E27FC236}">
+                    <a16:creationId xmlns:a16="http://schemas.microsoft.com/office/drawing/2014/main" id="{68D40032-C164-4D46-BCAF-52362B7B78C9}"/>
+                  </a:ext>
+                </a:extLst>
+              </p:cNvPr>
+              <p:cNvSpPr txBox="1"/>
+              <p:nvPr/>
+            </p:nvSpPr>
+            <p:spPr>
+              <a:xfrm>
+                <a:off x="6094412" y="4591614"/>
+                <a:ext cx="3067271" cy="1180836"/>
+              </a:xfrm>
+              <a:prstGeom prst="rect">
+                <a:avLst/>
+              </a:prstGeom>
+              <a:noFill/>
+            </p:spPr>
+            <p:txBody>
+              <a:bodyPr wrap="square" rtlCol="0">
+                <a:spAutoFit/>
+              </a:bodyPr>
+              <a:lstStyle/>
+              <a:p>
+                <a:r>
+                  <a:rPr lang="en-US" sz="3200" dirty="0"/>
+                  <a:t>x= </a:t>
+                </a:r>
+                <a14:m>
+                  <m:oMath xmlns:m="http://schemas.openxmlformats.org/officeDocument/2006/math">
+                    <m:f>
+                      <m:fPr>
+                        <m:ctrlPr>
+                          <a:rPr lang="en-US" sz="3200" i="1">
+                            <a:latin typeface="Cambria Math" panose="02040503050406030204" pitchFamily="18" charset="0"/>
+                          </a:rPr>
+                        </m:ctrlPr>
+                      </m:fPr>
+                      <m:num>
+                        <m:r>
+                          <a:rPr lang="en-US" sz="3200" i="1">
+                            <a:latin typeface="Cambria Math" panose="02040503050406030204" pitchFamily="18" charset="0"/>
+                          </a:rPr>
+                          <m:t>−</m:t>
+                        </m:r>
+                        <m:r>
+                          <a:rPr lang="en-US" sz="3200" i="1">
+                            <a:latin typeface="Cambria Math" panose="02040503050406030204" pitchFamily="18" charset="0"/>
+                          </a:rPr>
+                          <m:t>𝑏</m:t>
+                        </m:r>
+                        <m:r>
+                          <a:rPr lang="pt-BR" sz="3200" b="0" i="1" smtClean="0">
+                            <a:latin typeface="Cambria Math" panose="02040503050406030204" pitchFamily="18" charset="0"/>
+                          </a:rPr>
+                          <m:t>−</m:t>
+                        </m:r>
+                        <m:rad>
+                          <m:radPr>
+                            <m:degHide m:val="on"/>
+                            <m:ctrlPr>
+                              <a:rPr lang="en-US" sz="3200" i="1" smtClean="0">
+                                <a:latin typeface="Cambria Math" panose="02040503050406030204" pitchFamily="18" charset="0"/>
+                              </a:rPr>
+                            </m:ctrlPr>
+                          </m:radPr>
+                          <m:deg/>
+                          <m:e>
+                            <m:sSup>
+                              <m:sSupPr>
+                                <m:ctrlPr>
+                                  <a:rPr lang="en-US" sz="3200" i="1" smtClean="0">
+                                    <a:solidFill>
+                                      <a:srgbClr val="FF0000"/>
+                                    </a:solidFill>
+                                    <a:latin typeface="Cambria Math" panose="02040503050406030204" pitchFamily="18" charset="0"/>
+                                  </a:rPr>
+                                </m:ctrlPr>
+                              </m:sSupPr>
+                              <m:e>
+                                <m:r>
+                                  <a:rPr lang="en-US" sz="3200" i="1">
+                                    <a:solidFill>
+                                      <a:srgbClr val="FF0000"/>
+                                    </a:solidFill>
+                                    <a:latin typeface="Cambria Math" panose="02040503050406030204" pitchFamily="18" charset="0"/>
+                                  </a:rPr>
+                                  <m:t>𝑏</m:t>
+                                </m:r>
+                              </m:e>
+                              <m:sup>
+                                <m:r>
+                                  <a:rPr lang="en-US" sz="3200" i="1">
+                                    <a:solidFill>
+                                      <a:srgbClr val="FF0000"/>
+                                    </a:solidFill>
+                                    <a:latin typeface="Cambria Math" panose="02040503050406030204" pitchFamily="18" charset="0"/>
+                                  </a:rPr>
+                                  <m:t>2</m:t>
+                                </m:r>
+                              </m:sup>
+                            </m:sSup>
+                            <m:r>
+                              <a:rPr lang="en-US" sz="3200" i="1">
+                                <a:solidFill>
+                                  <a:srgbClr val="FF0000"/>
+                                </a:solidFill>
+                                <a:latin typeface="Cambria Math" panose="02040503050406030204" pitchFamily="18" charset="0"/>
+                              </a:rPr>
+                              <m:t>−4</m:t>
+                            </m:r>
+                            <m:r>
+                              <a:rPr lang="pt-BR" sz="3200" b="0" i="1" smtClean="0">
+                                <a:solidFill>
+                                  <a:srgbClr val="FF0000"/>
+                                </a:solidFill>
+                                <a:latin typeface="Cambria Math" panose="02040503050406030204" pitchFamily="18" charset="0"/>
+                              </a:rPr>
+                              <m:t>∗</m:t>
+                            </m:r>
+                            <m:r>
+                              <a:rPr lang="en-US" sz="3200" i="1">
+                                <a:solidFill>
+                                  <a:srgbClr val="FF0000"/>
+                                </a:solidFill>
+                                <a:latin typeface="Cambria Math" panose="02040503050406030204" pitchFamily="18" charset="0"/>
+                              </a:rPr>
+                              <m:t>𝑎</m:t>
+                            </m:r>
+                            <m:r>
+                              <a:rPr lang="pt-BR" sz="3200" b="0" i="1" smtClean="0">
+                                <a:solidFill>
+                                  <a:srgbClr val="FF0000"/>
+                                </a:solidFill>
+                                <a:latin typeface="Cambria Math" panose="02040503050406030204" pitchFamily="18" charset="0"/>
+                              </a:rPr>
+                              <m:t>∗</m:t>
+                            </m:r>
+                            <m:r>
+                              <a:rPr lang="en-US" sz="3200" i="1">
+                                <a:solidFill>
+                                  <a:srgbClr val="FF0000"/>
+                                </a:solidFill>
+                                <a:latin typeface="Cambria Math" panose="02040503050406030204" pitchFamily="18" charset="0"/>
+                              </a:rPr>
+                              <m:t>𝑐</m:t>
+                            </m:r>
+                          </m:e>
+                        </m:rad>
+                      </m:num>
+                      <m:den>
+                        <m:r>
+                          <a:rPr lang="en-US" sz="3200" i="1">
+                            <a:latin typeface="Cambria Math" panose="02040503050406030204" pitchFamily="18" charset="0"/>
+                          </a:rPr>
+                          <m:t>2</m:t>
+                        </m:r>
+                        <m:r>
+                          <a:rPr lang="pt-BR" sz="3200" b="0" i="1" smtClean="0">
+                            <a:latin typeface="Cambria Math" panose="02040503050406030204" pitchFamily="18" charset="0"/>
+                          </a:rPr>
+                          <m:t>∗</m:t>
+                        </m:r>
+                        <m:r>
+                          <a:rPr lang="en-US" sz="3200" i="1">
+                            <a:latin typeface="Cambria Math" panose="02040503050406030204" pitchFamily="18" charset="0"/>
+                          </a:rPr>
+                          <m:t>𝑎</m:t>
+                        </m:r>
+                      </m:den>
+                    </m:f>
+                  </m:oMath>
+                </a14:m>
+                <a:r>
+                  <a:rPr lang="pt-BR" sz="3200" dirty="0"/>
+                  <a:t> </a:t>
+                </a:r>
+              </a:p>
+              <a:p>
+                <a:endParaRPr lang="pt-BR" dirty="0"/>
+              </a:p>
+            </p:txBody>
+          </p:sp>
+        </mc:Choice>
+        <mc:Fallback xmlns="">
+          <p:sp>
+            <p:nvSpPr>
+              <p:cNvPr id="10" name="CaixaDeTexto 9">
+                <a:extLst>
+                  <a:ext uri="{FF2B5EF4-FFF2-40B4-BE49-F238E27FC236}">
+                    <a16:creationId xmlns:a16="http://schemas.microsoft.com/office/drawing/2014/main" id="{68D40032-C164-4D46-BCAF-52362B7B78C9}"/>
+                  </a:ext>
+                </a:extLst>
+              </p:cNvPr>
+              <p:cNvSpPr txBox="1">
+                <a:spLocks noRot="1" noChangeAspect="1" noMove="1" noResize="1" noEditPoints="1" noAdjustHandles="1" noChangeArrowheads="1" noChangeShapeType="1" noTextEdit="1"/>
+              </p:cNvSpPr>
+              <p:nvPr/>
+            </p:nvSpPr>
+            <p:spPr>
+              <a:xfrm>
+                <a:off x="6094412" y="4591614"/>
+                <a:ext cx="3067271" cy="1180836"/>
+              </a:xfrm>
+              <a:prstGeom prst="rect">
+                <a:avLst/>
+              </a:prstGeom>
+              <a:blipFill>
+                <a:blip r:embed="rId6"/>
+                <a:stretch>
+                  <a:fillRect l="-5169"/>
+                </a:stretch>
+              </a:blipFill>
+            </p:spPr>
+            <p:txBody>
+              <a:bodyPr/>
+              <a:lstStyle/>
+              <a:p>
+                <a:r>
+                  <a:rPr lang="pt-BR">
+                    <a:noFill/>
+                  </a:rPr>
+                  <a:t> </a:t>
+                </a:r>
+              </a:p>
+            </p:txBody>
+          </p:sp>
+        </mc:Fallback>
+      </mc:AlternateContent>
+      <p:sp>
+        <p:nvSpPr>
+          <p:cNvPr id="11" name="Seta: para a Direita 10">
+            <a:extLst>
+              <a:ext uri="{FF2B5EF4-FFF2-40B4-BE49-F238E27FC236}">
+                <a16:creationId xmlns:a16="http://schemas.microsoft.com/office/drawing/2014/main" id="{E2A89AA2-1BC4-4EC9-96E4-881E506BF654}"/>
+              </a:ext>
+            </a:extLst>
+          </p:cNvPr>
+          <p:cNvSpPr/>
+          <p:nvPr/>
+        </p:nvSpPr>
+        <p:spPr>
+          <a:xfrm rot="19626731">
+            <a:off x="4749869" y="4393327"/>
+            <a:ext cx="1125376" cy="172882"/>
+          </a:xfrm>
+          <a:prstGeom prst="rightArrow">
+            <a:avLst/>
+          </a:prstGeom>
+          <a:solidFill>
+            <a:srgbClr val="FF0000"/>
+          </a:solidFill>
+          <a:ln>
+            <a:solidFill>
+              <a:srgbClr val="FF0000"/>
+            </a:solidFill>
+          </a:ln>
+        </p:spPr>
+        <p:style>
+          <a:lnRef idx="2">
+            <a:schemeClr val="accent1">
+              <a:shade val="50000"/>
+            </a:schemeClr>
+          </a:lnRef>
+          <a:fillRef idx="1">
+            <a:schemeClr val="accent1"/>
+          </a:fillRef>
+          <a:effectRef idx="0">
+            <a:schemeClr val="accent1"/>
+          </a:effectRef>
+          <a:fontRef idx="minor">
+            <a:schemeClr val="lt1"/>
+          </a:fontRef>
+        </p:style>
+        <p:txBody>
+          <a:bodyPr rtlCol="0" anchor="ctr"/>
+          <a:lstStyle/>
+          <a:p>
+            <a:pPr algn="ctr"/>
+            <a:endParaRPr lang="pt-BR">
+              <a:solidFill>
+                <a:srgbClr val="FF0000"/>
+              </a:solidFill>
+            </a:endParaRPr>
+          </a:p>
+        </p:txBody>
+      </p:sp>
+      <p:sp>
+        <p:nvSpPr>
+          <p:cNvPr id="12" name="Seta: para a Direita 11">
+            <a:extLst>
+              <a:ext uri="{FF2B5EF4-FFF2-40B4-BE49-F238E27FC236}">
+                <a16:creationId xmlns:a16="http://schemas.microsoft.com/office/drawing/2014/main" id="{0B1839A1-80A1-4134-A4E8-F66A1D4708FE}"/>
+              </a:ext>
+            </a:extLst>
+          </p:cNvPr>
+          <p:cNvSpPr/>
+          <p:nvPr/>
+        </p:nvSpPr>
+        <p:spPr>
+          <a:xfrm rot="535609">
+            <a:off x="4804866" y="4941089"/>
+            <a:ext cx="1125376" cy="172882"/>
+          </a:xfrm>
+          <a:prstGeom prst="rightArrow">
+            <a:avLst/>
+          </a:prstGeom>
+          <a:solidFill>
+            <a:srgbClr val="FF0000"/>
+          </a:solidFill>
+          <a:ln>
+            <a:solidFill>
+              <a:srgbClr val="FF0000"/>
+            </a:solidFill>
+          </a:ln>
+        </p:spPr>
+        <p:style>
+          <a:lnRef idx="2">
+            <a:schemeClr val="accent1">
+              <a:shade val="50000"/>
+            </a:schemeClr>
+          </a:lnRef>
+          <a:fillRef idx="1">
+            <a:schemeClr val="accent1"/>
+          </a:fillRef>
+          <a:effectRef idx="0">
+            <a:schemeClr val="accent1"/>
+          </a:effectRef>
+          <a:fontRef idx="minor">
+            <a:schemeClr val="lt1"/>
+          </a:fontRef>
+        </p:style>
+        <p:txBody>
+          <a:bodyPr rtlCol="0" anchor="ctr"/>
+          <a:lstStyle/>
+          <a:p>
+            <a:pPr algn="ctr"/>
+            <a:endParaRPr lang="pt-BR">
+              <a:solidFill>
+                <a:srgbClr val="FF0000"/>
+              </a:solidFill>
+            </a:endParaRPr>
+          </a:p>
+        </p:txBody>
+      </p:sp>
+    </p:spTree>
+    <p:extLst>
+      <p:ext uri="{BB962C8B-B14F-4D97-AF65-F5344CB8AC3E}">
+        <p14:creationId xmlns:p14="http://schemas.microsoft.com/office/powerpoint/2010/main" val="2523327926"/>
+      </p:ext>
+    </p:extLst>
+  </p:cSld>
+  <p:clrMapOvr>
+    <a:masterClrMapping/>
+  </p:clrMapOvr>
+  <mc:AlternateContent xmlns:mc="http://schemas.openxmlformats.org/markup-compatibility/2006" xmlns:p14="http://schemas.microsoft.com/office/powerpoint/2010/main">
+    <mc:Choice Requires="p14">
+      <p:transition spd="med" p14:dur="700">
+        <p:fade/>
+      </p:transition>
+    </mc:Choice>
+    <mc:Fallback xmlns="">
+      <p:transition spd="med">
+        <p:fade/>
+      </p:transition>
+    </mc:Fallback>
+  </mc:AlternateContent>
+</p:sld>
+</file>
+
+<file path=ppt/slides/slide13.xml><?xml version="1.0" encoding="utf-8"?>
 <p:sld xmlns:a="http://schemas.openxmlformats.org/drawingml/2006/main" xmlns:r="http://schemas.openxmlformats.org/officeDocument/2006/relationships" xmlns:p="http://schemas.openxmlformats.org/presentationml/2006/main">
   <p:cSld>
     <p:spTree>
@@ -36316,7 +37542,7 @@
             <a:pPr rtl="0"/>
             <a:fld id="{7DC1BBB0-96F0-4077-A278-0F3FB5C104D3}" type="slidenum">
               <a:rPr lang="pt-BR" noProof="0" smtClean="0"/>
-              <a:t>12</a:t>
+              <a:t>13</a:t>
             </a:fld>
             <a:endParaRPr lang="pt-BR" noProof="0" dirty="0"/>
           </a:p>
@@ -36347,7 +37573,7 @@
 </p:sld>
 </file>
 
-<file path=ppt/slides/slide13.xml><?xml version="1.0" encoding="utf-8"?>
+<file path=ppt/slides/slide14.xml><?xml version="1.0" encoding="utf-8"?>
 <p:sld xmlns:a="http://schemas.openxmlformats.org/drawingml/2006/main" xmlns:r="http://schemas.openxmlformats.org/officeDocument/2006/relationships" xmlns:p="http://schemas.openxmlformats.org/presentationml/2006/main">
   <p:cSld>
     <p:spTree>
@@ -36442,7 +37668,7 @@
                   <a:srgbClr val="FF0000"/>
                 </a:solidFill>
               </a:rPr>
-              <a:t>a = 5 ; b = -3 ; c = -2;	Eq. Completa</a:t>
+              <a:t>a = 5 ; b = -3 ; c = -2;	Eq. completa</a:t>
             </a:r>
           </a:p>
           <a:p>
@@ -36582,7 +37808,7 @@
             <a:pPr rtl="0"/>
             <a:fld id="{7DC1BBB0-96F0-4077-A278-0F3FB5C104D3}" type="slidenum">
               <a:rPr lang="pt-BR" noProof="0" smtClean="0"/>
-              <a:t>13</a:t>
+              <a:t>14</a:t>
             </a:fld>
             <a:endParaRPr lang="pt-BR" noProof="0" dirty="0"/>
           </a:p>
@@ -36613,7 +37839,7 @@
 </p:sld>
 </file>
 
-<file path=ppt/slides/slide14.xml><?xml version="1.0" encoding="utf-8"?>
+<file path=ppt/slides/slide15.xml><?xml version="1.0" encoding="utf-8"?>
 <p:sld xmlns:a="http://schemas.openxmlformats.org/drawingml/2006/main" xmlns:r="http://schemas.openxmlformats.org/officeDocument/2006/relationships" xmlns:p="http://schemas.openxmlformats.org/presentationml/2006/main">
   <p:cSld>
     <p:spTree>
@@ -36686,7 +37912,23 @@
             </a:pPr>
             <a:r>
               <a:rPr lang="pt-BR" sz="3200" dirty="0"/>
-              <a:t>Determine os coeficientes, a, b e c das equações, e julgue se seu Delta é maior, menor ou igual a zero:</a:t>
+              <a:t>Determine os coeficientes, </a:t>
+            </a:r>
+            <a:r>
+              <a:rPr lang="pt-BR" sz="3200" i="1" dirty="0"/>
+              <a:t>a, b </a:t>
+            </a:r>
+            <a:r>
+              <a:rPr lang="pt-BR" sz="3200" dirty="0"/>
+              <a:t>e </a:t>
+            </a:r>
+            <a:r>
+              <a:rPr lang="pt-BR" sz="3200" i="1" dirty="0"/>
+              <a:t>c</a:t>
+            </a:r>
+            <a:r>
+              <a:rPr lang="pt-BR" sz="3200" dirty="0"/>
+              <a:t> das equações, e julgue se seu Delta é maior, menor ou igual a zero:</a:t>
             </a:r>
           </a:p>
           <a:p>
@@ -36787,7 +38029,7 @@
             <a:pPr rtl="0"/>
             <a:fld id="{7DC1BBB0-96F0-4077-A278-0F3FB5C104D3}" type="slidenum">
               <a:rPr lang="pt-BR" noProof="0" smtClean="0"/>
-              <a:t>14</a:t>
+              <a:t>15</a:t>
             </a:fld>
             <a:endParaRPr lang="pt-BR" noProof="0" dirty="0"/>
           </a:p>
@@ -36797,312 +38039,6 @@
     <p:extLst>
       <p:ext uri="{BB962C8B-B14F-4D97-AF65-F5344CB8AC3E}">
         <p14:creationId xmlns:p14="http://schemas.microsoft.com/office/powerpoint/2010/main" val="1234071023"/>
-      </p:ext>
-    </p:extLst>
-  </p:cSld>
-  <p:clrMapOvr>
-    <a:masterClrMapping/>
-  </p:clrMapOvr>
-  <mc:AlternateContent xmlns:mc="http://schemas.openxmlformats.org/markup-compatibility/2006" xmlns:p14="http://schemas.microsoft.com/office/powerpoint/2010/main">
-    <mc:Choice Requires="p14">
-      <p:transition spd="med" p14:dur="700">
-        <p:fade/>
-      </p:transition>
-    </mc:Choice>
-    <mc:Fallback xmlns="">
-      <p:transition spd="med">
-        <p:fade/>
-      </p:transition>
-    </mc:Fallback>
-  </mc:AlternateContent>
-</p:sld>
-</file>
-
-<file path=ppt/slides/slide15.xml><?xml version="1.0" encoding="utf-8"?>
-<p:sld xmlns:a="http://schemas.openxmlformats.org/drawingml/2006/main" xmlns:r="http://schemas.openxmlformats.org/officeDocument/2006/relationships" xmlns:p="http://schemas.openxmlformats.org/presentationml/2006/main">
-  <p:cSld>
-    <p:spTree>
-      <p:nvGrpSpPr>
-        <p:cNvPr id="1" name=""/>
-        <p:cNvGrpSpPr/>
-        <p:nvPr/>
-      </p:nvGrpSpPr>
-      <p:grpSpPr>
-        <a:xfrm>
-          <a:off x="0" y="0"/>
-          <a:ext cx="0" cy="0"/>
-          <a:chOff x="0" y="0"/>
-          <a:chExt cx="0" cy="0"/>
-        </a:xfrm>
-      </p:grpSpPr>
-      <p:sp>
-        <p:nvSpPr>
-          <p:cNvPr id="2" name="Título 1"/>
-          <p:cNvSpPr>
-            <a:spLocks noGrp="1"/>
-          </p:cNvSpPr>
-          <p:nvPr>
-            <p:ph type="title"/>
-          </p:nvPr>
-        </p:nvSpPr>
-        <p:spPr/>
-        <p:txBody>
-          <a:bodyPr rtlCol="0"/>
-          <a:lstStyle/>
-          <a:p>
-            <a:pPr rtl="0"/>
-            <a:r>
-              <a:rPr lang="pt-BR" dirty="0"/>
-              <a:t>Exercícios</a:t>
-            </a:r>
-          </a:p>
-        </p:txBody>
-      </p:sp>
-      <p:sp>
-        <p:nvSpPr>
-          <p:cNvPr id="4" name="Espaço Reservado para Conteúdo 3">
-            <a:extLst>
-              <a:ext uri="{FF2B5EF4-FFF2-40B4-BE49-F238E27FC236}">
-                <a16:creationId xmlns:a16="http://schemas.microsoft.com/office/drawing/2014/main" id="{CD4D8C64-5AC0-48DB-8217-55B60195884B}"/>
-              </a:ext>
-            </a:extLst>
-          </p:cNvPr>
-          <p:cNvSpPr>
-            <a:spLocks noGrp="1"/>
-          </p:cNvSpPr>
-          <p:nvPr>
-            <p:ph sz="half" idx="1"/>
-          </p:nvPr>
-        </p:nvSpPr>
-        <p:spPr>
-          <a:xfrm>
-            <a:off x="1413892" y="1600200"/>
-            <a:ext cx="10153128" cy="4572000"/>
-          </a:xfrm>
-        </p:spPr>
-        <p:txBody>
-          <a:bodyPr>
-            <a:normAutofit/>
-          </a:bodyPr>
-          <a:lstStyle/>
-          <a:p>
-            <a:pPr marL="0" indent="0">
-              <a:buNone/>
-            </a:pPr>
-            <a:r>
-              <a:rPr lang="pt-BR" sz="3200" dirty="0"/>
-              <a:t>Determine os coeficientes, a, b e c das equações, e julgue se seu Delta é maior, menor ou igual a zero:</a:t>
-            </a:r>
-          </a:p>
-          <a:p>
-            <a:r>
-              <a:rPr lang="pt-BR" dirty="0"/>
-              <a:t>3x²-2x+4=0			 </a:t>
-            </a:r>
-            <a:r>
-              <a:rPr lang="pt-BR" dirty="0">
-                <a:solidFill>
-                  <a:srgbClr val="FF0000"/>
-                </a:solidFill>
-              </a:rPr>
-              <a:t>a=3 b=-2 c=4</a:t>
-            </a:r>
-            <a:r>
-              <a:rPr lang="pt-BR" dirty="0"/>
-              <a:t>		</a:t>
-            </a:r>
-            <a:r>
-              <a:rPr lang="el-GR" dirty="0">
-                <a:solidFill>
-                  <a:srgbClr val="FF0000"/>
-                </a:solidFill>
-              </a:rPr>
-              <a:t> Δ</a:t>
-            </a:r>
-            <a:r>
-              <a:rPr lang="pt-BR" dirty="0">
-                <a:solidFill>
-                  <a:srgbClr val="FF0000"/>
-                </a:solidFill>
-              </a:rPr>
-              <a:t> &lt; 0</a:t>
-            </a:r>
-            <a:endParaRPr lang="pt-BR" dirty="0"/>
-          </a:p>
-          <a:p>
-            <a:r>
-              <a:rPr lang="pt-BR" dirty="0"/>
-              <a:t>5x²+3x-6=0			 </a:t>
-            </a:r>
-            <a:r>
-              <a:rPr lang="pt-BR" dirty="0">
-                <a:solidFill>
-                  <a:srgbClr val="FF0000"/>
-                </a:solidFill>
-              </a:rPr>
-              <a:t>a=5 b=3  c=-6 		</a:t>
-            </a:r>
-            <a:r>
-              <a:rPr lang="el-GR" dirty="0">
-                <a:solidFill>
-                  <a:srgbClr val="FF0000"/>
-                </a:solidFill>
-              </a:rPr>
-              <a:t> Δ</a:t>
-            </a:r>
-            <a:r>
-              <a:rPr lang="pt-BR" dirty="0">
-                <a:solidFill>
-                  <a:srgbClr val="FF0000"/>
-                </a:solidFill>
-              </a:rPr>
-              <a:t> &gt; 0</a:t>
-            </a:r>
-          </a:p>
-          <a:p>
-            <a:r>
-              <a:rPr lang="pt-BR" dirty="0"/>
-              <a:t>x²-2x+2=0			 </a:t>
-            </a:r>
-            <a:r>
-              <a:rPr lang="pt-BR" dirty="0">
-                <a:solidFill>
-                  <a:srgbClr val="FF0000"/>
-                </a:solidFill>
-              </a:rPr>
-              <a:t>a=1 b=-2 c=2 		</a:t>
-            </a:r>
-            <a:r>
-              <a:rPr lang="el-GR" dirty="0">
-                <a:solidFill>
-                  <a:srgbClr val="FF0000"/>
-                </a:solidFill>
-              </a:rPr>
-              <a:t> Δ</a:t>
-            </a:r>
-            <a:r>
-              <a:rPr lang="pt-BR" dirty="0">
-                <a:solidFill>
-                  <a:srgbClr val="FF0000"/>
-                </a:solidFill>
-              </a:rPr>
-              <a:t> &lt; 0</a:t>
-            </a:r>
-          </a:p>
-          <a:p>
-            <a:r>
-              <a:rPr lang="pt-BR" dirty="0"/>
-              <a:t>x²+4x+4=0			 </a:t>
-            </a:r>
-            <a:r>
-              <a:rPr lang="pt-BR" dirty="0">
-                <a:solidFill>
-                  <a:srgbClr val="FF0000"/>
-                </a:solidFill>
-              </a:rPr>
-              <a:t>a=1 b=4  c=4 		</a:t>
-            </a:r>
-            <a:r>
-              <a:rPr lang="el-GR" dirty="0">
-                <a:solidFill>
-                  <a:srgbClr val="FF0000"/>
-                </a:solidFill>
-              </a:rPr>
-              <a:t> Δ</a:t>
-            </a:r>
-            <a:r>
-              <a:rPr lang="pt-BR" dirty="0">
-                <a:solidFill>
-                  <a:srgbClr val="FF0000"/>
-                </a:solidFill>
-              </a:rPr>
-              <a:t> = 0</a:t>
-            </a:r>
-          </a:p>
-          <a:p>
-            <a:endParaRPr lang="pt-BR" dirty="0"/>
-          </a:p>
-          <a:p>
-            <a:endParaRPr lang="pt-BR" dirty="0"/>
-          </a:p>
-          <a:p>
-            <a:endParaRPr lang="pt-BR" dirty="0"/>
-          </a:p>
-          <a:p>
-            <a:endParaRPr lang="pt-BR" dirty="0"/>
-          </a:p>
-          <a:p>
-            <a:endParaRPr lang="el-GR" dirty="0"/>
-          </a:p>
-          <a:p>
-            <a:endParaRPr lang="el-GR" dirty="0"/>
-          </a:p>
-        </p:txBody>
-      </p:sp>
-      <p:sp>
-        <p:nvSpPr>
-          <p:cNvPr id="3" name="Espaço Reservado para Rodapé 2">
-            <a:extLst>
-              <a:ext uri="{FF2B5EF4-FFF2-40B4-BE49-F238E27FC236}">
-                <a16:creationId xmlns:a16="http://schemas.microsoft.com/office/drawing/2014/main" id="{A680D228-1918-4C22-A0F1-95A2FC3BB04C}"/>
-              </a:ext>
-            </a:extLst>
-          </p:cNvPr>
-          <p:cNvSpPr>
-            <a:spLocks noGrp="1"/>
-          </p:cNvSpPr>
-          <p:nvPr>
-            <p:ph type="ftr" sz="quarter" idx="11"/>
-          </p:nvPr>
-        </p:nvSpPr>
-        <p:spPr/>
-        <p:txBody>
-          <a:bodyPr/>
-          <a:lstStyle/>
-          <a:p>
-            <a:pPr rtl="0"/>
-            <a:r>
-              <a:rPr lang="pt-BR" noProof="0"/>
-              <a:t>Eric Sampaio</a:t>
-            </a:r>
-            <a:endParaRPr lang="pt-BR" noProof="0" dirty="0"/>
-          </a:p>
-        </p:txBody>
-      </p:sp>
-      <p:sp>
-        <p:nvSpPr>
-          <p:cNvPr id="5" name="Espaço Reservado para Número de Slide 4">
-            <a:extLst>
-              <a:ext uri="{FF2B5EF4-FFF2-40B4-BE49-F238E27FC236}">
-                <a16:creationId xmlns:a16="http://schemas.microsoft.com/office/drawing/2014/main" id="{5AF9039C-32F2-4526-8090-CA1433C29723}"/>
-              </a:ext>
-            </a:extLst>
-          </p:cNvPr>
-          <p:cNvSpPr>
-            <a:spLocks noGrp="1"/>
-          </p:cNvSpPr>
-          <p:nvPr>
-            <p:ph type="sldNum" sz="quarter" idx="12"/>
-          </p:nvPr>
-        </p:nvSpPr>
-        <p:spPr/>
-        <p:txBody>
-          <a:bodyPr/>
-          <a:lstStyle/>
-          <a:p>
-            <a:pPr rtl="0"/>
-            <a:fld id="{7DC1BBB0-96F0-4077-A278-0F3FB5C104D3}" type="slidenum">
-              <a:rPr lang="pt-BR" noProof="0" smtClean="0"/>
-              <a:t>15</a:t>
-            </a:fld>
-            <a:endParaRPr lang="pt-BR" noProof="0" dirty="0"/>
-          </a:p>
-        </p:txBody>
-      </p:sp>
-    </p:spTree>
-    <p:extLst>
-      <p:ext uri="{BB962C8B-B14F-4D97-AF65-F5344CB8AC3E}">
-        <p14:creationId xmlns:p14="http://schemas.microsoft.com/office/powerpoint/2010/main" val="1024891628"/>
       </p:ext>
     </p:extLst>
   </p:cSld>
@@ -37197,7 +38133,345 @@
             </a:pPr>
             <a:r>
               <a:rPr lang="pt-BR" sz="3200" dirty="0"/>
-              <a:t>Determine as raízes das equações, do segundo grau:</a:t>
+              <a:t>Determine os coeficientes, </a:t>
+            </a:r>
+            <a:r>
+              <a:rPr lang="pt-BR" sz="3200" i="1" dirty="0"/>
+              <a:t>a, b </a:t>
+            </a:r>
+            <a:r>
+              <a:rPr lang="pt-BR" sz="3200" dirty="0"/>
+              <a:t>e </a:t>
+            </a:r>
+            <a:r>
+              <a:rPr lang="pt-BR" sz="3200" i="1" dirty="0"/>
+              <a:t>c</a:t>
+            </a:r>
+            <a:r>
+              <a:rPr lang="pt-BR" sz="3200" dirty="0"/>
+              <a:t> das equações, e julgue se seu Delta é maior, menor ou igual a zero:</a:t>
+            </a:r>
+          </a:p>
+          <a:p>
+            <a:r>
+              <a:rPr lang="pt-BR" dirty="0"/>
+              <a:t>3x²-2x+4=0			 </a:t>
+            </a:r>
+            <a:r>
+              <a:rPr lang="pt-BR" dirty="0">
+                <a:solidFill>
+                  <a:srgbClr val="FF0000"/>
+                </a:solidFill>
+              </a:rPr>
+              <a:t>a=3 b=-2 c=4</a:t>
+            </a:r>
+            <a:r>
+              <a:rPr lang="pt-BR" dirty="0"/>
+              <a:t>		</a:t>
+            </a:r>
+            <a:r>
+              <a:rPr lang="el-GR" dirty="0">
+                <a:solidFill>
+                  <a:srgbClr val="FF0000"/>
+                </a:solidFill>
+              </a:rPr>
+              <a:t> Δ</a:t>
+            </a:r>
+            <a:r>
+              <a:rPr lang="pt-BR" dirty="0">
+                <a:solidFill>
+                  <a:srgbClr val="FF0000"/>
+                </a:solidFill>
+              </a:rPr>
+              <a:t> &lt; 0</a:t>
+            </a:r>
+            <a:endParaRPr lang="pt-BR" dirty="0"/>
+          </a:p>
+          <a:p>
+            <a:r>
+              <a:rPr lang="pt-BR" dirty="0"/>
+              <a:t>5x²+3x-6=0			 </a:t>
+            </a:r>
+            <a:r>
+              <a:rPr lang="pt-BR" dirty="0">
+                <a:solidFill>
+                  <a:srgbClr val="FF0000"/>
+                </a:solidFill>
+              </a:rPr>
+              <a:t>a=5 b= 3 c=-6 		</a:t>
+            </a:r>
+            <a:r>
+              <a:rPr lang="el-GR" dirty="0">
+                <a:solidFill>
+                  <a:srgbClr val="FF0000"/>
+                </a:solidFill>
+              </a:rPr>
+              <a:t> Δ</a:t>
+            </a:r>
+            <a:r>
+              <a:rPr lang="pt-BR" dirty="0">
+                <a:solidFill>
+                  <a:srgbClr val="FF0000"/>
+                </a:solidFill>
+              </a:rPr>
+              <a:t> &gt; 0</a:t>
+            </a:r>
+          </a:p>
+          <a:p>
+            <a:r>
+              <a:rPr lang="pt-BR" dirty="0"/>
+              <a:t>x²-2x+2=0			 </a:t>
+            </a:r>
+            <a:r>
+              <a:rPr lang="pt-BR" dirty="0">
+                <a:solidFill>
+                  <a:srgbClr val="FF0000"/>
+                </a:solidFill>
+              </a:rPr>
+              <a:t>a=1 b=-2 c=2 		</a:t>
+            </a:r>
+            <a:r>
+              <a:rPr lang="el-GR" dirty="0">
+                <a:solidFill>
+                  <a:srgbClr val="FF0000"/>
+                </a:solidFill>
+              </a:rPr>
+              <a:t> Δ</a:t>
+            </a:r>
+            <a:r>
+              <a:rPr lang="pt-BR" dirty="0">
+                <a:solidFill>
+                  <a:srgbClr val="FF0000"/>
+                </a:solidFill>
+              </a:rPr>
+              <a:t> &lt; 0</a:t>
+            </a:r>
+          </a:p>
+          <a:p>
+            <a:r>
+              <a:rPr lang="pt-BR" dirty="0"/>
+              <a:t>x²+4x+4=0			 </a:t>
+            </a:r>
+            <a:r>
+              <a:rPr lang="pt-BR" dirty="0">
+                <a:solidFill>
+                  <a:srgbClr val="FF0000"/>
+                </a:solidFill>
+              </a:rPr>
+              <a:t>a=1 </a:t>
+            </a:r>
+            <a:r>
+              <a:rPr lang="pt-BR">
+                <a:solidFill>
+                  <a:srgbClr val="FF0000"/>
+                </a:solidFill>
+              </a:rPr>
+              <a:t>b= 4 c</a:t>
+            </a:r>
+            <a:r>
+              <a:rPr lang="pt-BR" dirty="0">
+                <a:solidFill>
+                  <a:srgbClr val="FF0000"/>
+                </a:solidFill>
+              </a:rPr>
+              <a:t>=4 		</a:t>
+            </a:r>
+            <a:r>
+              <a:rPr lang="el-GR" dirty="0">
+                <a:solidFill>
+                  <a:srgbClr val="FF0000"/>
+                </a:solidFill>
+              </a:rPr>
+              <a:t> Δ</a:t>
+            </a:r>
+            <a:r>
+              <a:rPr lang="pt-BR" dirty="0">
+                <a:solidFill>
+                  <a:srgbClr val="FF0000"/>
+                </a:solidFill>
+              </a:rPr>
+              <a:t> = 0</a:t>
+            </a:r>
+          </a:p>
+          <a:p>
+            <a:endParaRPr lang="pt-BR" dirty="0"/>
+          </a:p>
+          <a:p>
+            <a:endParaRPr lang="pt-BR" dirty="0"/>
+          </a:p>
+          <a:p>
+            <a:endParaRPr lang="pt-BR" dirty="0"/>
+          </a:p>
+          <a:p>
+            <a:endParaRPr lang="pt-BR" dirty="0"/>
+          </a:p>
+          <a:p>
+            <a:endParaRPr lang="el-GR" dirty="0"/>
+          </a:p>
+          <a:p>
+            <a:endParaRPr lang="el-GR" dirty="0"/>
+          </a:p>
+        </p:txBody>
+      </p:sp>
+      <p:sp>
+        <p:nvSpPr>
+          <p:cNvPr id="3" name="Espaço Reservado para Rodapé 2">
+            <a:extLst>
+              <a:ext uri="{FF2B5EF4-FFF2-40B4-BE49-F238E27FC236}">
+                <a16:creationId xmlns:a16="http://schemas.microsoft.com/office/drawing/2014/main" id="{A680D228-1918-4C22-A0F1-95A2FC3BB04C}"/>
+              </a:ext>
+            </a:extLst>
+          </p:cNvPr>
+          <p:cNvSpPr>
+            <a:spLocks noGrp="1"/>
+          </p:cNvSpPr>
+          <p:nvPr>
+            <p:ph type="ftr" sz="quarter" idx="11"/>
+          </p:nvPr>
+        </p:nvSpPr>
+        <p:spPr/>
+        <p:txBody>
+          <a:bodyPr/>
+          <a:lstStyle/>
+          <a:p>
+            <a:pPr rtl="0"/>
+            <a:r>
+              <a:rPr lang="pt-BR" noProof="0"/>
+              <a:t>Eric Sampaio</a:t>
+            </a:r>
+            <a:endParaRPr lang="pt-BR" noProof="0" dirty="0"/>
+          </a:p>
+        </p:txBody>
+      </p:sp>
+      <p:sp>
+        <p:nvSpPr>
+          <p:cNvPr id="5" name="Espaço Reservado para Número de Slide 4">
+            <a:extLst>
+              <a:ext uri="{FF2B5EF4-FFF2-40B4-BE49-F238E27FC236}">
+                <a16:creationId xmlns:a16="http://schemas.microsoft.com/office/drawing/2014/main" id="{5AF9039C-32F2-4526-8090-CA1433C29723}"/>
+              </a:ext>
+            </a:extLst>
+          </p:cNvPr>
+          <p:cNvSpPr>
+            <a:spLocks noGrp="1"/>
+          </p:cNvSpPr>
+          <p:nvPr>
+            <p:ph type="sldNum" sz="quarter" idx="12"/>
+          </p:nvPr>
+        </p:nvSpPr>
+        <p:spPr/>
+        <p:txBody>
+          <a:bodyPr/>
+          <a:lstStyle/>
+          <a:p>
+            <a:pPr rtl="0"/>
+            <a:fld id="{7DC1BBB0-96F0-4077-A278-0F3FB5C104D3}" type="slidenum">
+              <a:rPr lang="pt-BR" noProof="0" smtClean="0"/>
+              <a:t>16</a:t>
+            </a:fld>
+            <a:endParaRPr lang="pt-BR" noProof="0" dirty="0"/>
+          </a:p>
+        </p:txBody>
+      </p:sp>
+    </p:spTree>
+    <p:extLst>
+      <p:ext uri="{BB962C8B-B14F-4D97-AF65-F5344CB8AC3E}">
+        <p14:creationId xmlns:p14="http://schemas.microsoft.com/office/powerpoint/2010/main" val="1024891628"/>
+      </p:ext>
+    </p:extLst>
+  </p:cSld>
+  <p:clrMapOvr>
+    <a:masterClrMapping/>
+  </p:clrMapOvr>
+  <mc:AlternateContent xmlns:mc="http://schemas.openxmlformats.org/markup-compatibility/2006" xmlns:p14="http://schemas.microsoft.com/office/powerpoint/2010/main">
+    <mc:Choice Requires="p14">
+      <p:transition spd="med" p14:dur="700">
+        <p:fade/>
+      </p:transition>
+    </mc:Choice>
+    <mc:Fallback xmlns="">
+      <p:transition spd="med">
+        <p:fade/>
+      </p:transition>
+    </mc:Fallback>
+  </mc:AlternateContent>
+</p:sld>
+</file>
+
+<file path=ppt/slides/slide17.xml><?xml version="1.0" encoding="utf-8"?>
+<p:sld xmlns:a="http://schemas.openxmlformats.org/drawingml/2006/main" xmlns:r="http://schemas.openxmlformats.org/officeDocument/2006/relationships" xmlns:p="http://schemas.openxmlformats.org/presentationml/2006/main">
+  <p:cSld>
+    <p:spTree>
+      <p:nvGrpSpPr>
+        <p:cNvPr id="1" name=""/>
+        <p:cNvGrpSpPr/>
+        <p:nvPr/>
+      </p:nvGrpSpPr>
+      <p:grpSpPr>
+        <a:xfrm>
+          <a:off x="0" y="0"/>
+          <a:ext cx="0" cy="0"/>
+          <a:chOff x="0" y="0"/>
+          <a:chExt cx="0" cy="0"/>
+        </a:xfrm>
+      </p:grpSpPr>
+      <p:sp>
+        <p:nvSpPr>
+          <p:cNvPr id="2" name="Título 1"/>
+          <p:cNvSpPr>
+            <a:spLocks noGrp="1"/>
+          </p:cNvSpPr>
+          <p:nvPr>
+            <p:ph type="title"/>
+          </p:nvPr>
+        </p:nvSpPr>
+        <p:spPr/>
+        <p:txBody>
+          <a:bodyPr rtlCol="0"/>
+          <a:lstStyle/>
+          <a:p>
+            <a:pPr rtl="0"/>
+            <a:r>
+              <a:rPr lang="pt-BR" dirty="0"/>
+              <a:t>Exercícios</a:t>
+            </a:r>
+          </a:p>
+        </p:txBody>
+      </p:sp>
+      <p:sp>
+        <p:nvSpPr>
+          <p:cNvPr id="4" name="Espaço Reservado para Conteúdo 3">
+            <a:extLst>
+              <a:ext uri="{FF2B5EF4-FFF2-40B4-BE49-F238E27FC236}">
+                <a16:creationId xmlns:a16="http://schemas.microsoft.com/office/drawing/2014/main" id="{CD4D8C64-5AC0-48DB-8217-55B60195884B}"/>
+              </a:ext>
+            </a:extLst>
+          </p:cNvPr>
+          <p:cNvSpPr>
+            <a:spLocks noGrp="1"/>
+          </p:cNvSpPr>
+          <p:nvPr>
+            <p:ph sz="half" idx="1"/>
+          </p:nvPr>
+        </p:nvSpPr>
+        <p:spPr>
+          <a:xfrm>
+            <a:off x="1413892" y="1600200"/>
+            <a:ext cx="10153128" cy="4572000"/>
+          </a:xfrm>
+        </p:spPr>
+        <p:txBody>
+          <a:bodyPr>
+            <a:normAutofit/>
+          </a:bodyPr>
+          <a:lstStyle/>
+          <a:p>
+            <a:pPr marL="0" indent="0">
+              <a:buNone/>
+            </a:pPr>
+            <a:r>
+              <a:rPr lang="pt-BR" sz="3200" dirty="0"/>
+              <a:t>Determine as raízes das equações do 2º grau:</a:t>
             </a:r>
           </a:p>
           <a:p>
@@ -37351,7 +38625,7 @@
             <a:pPr rtl="0"/>
             <a:fld id="{7DC1BBB0-96F0-4077-A278-0F3FB5C104D3}" type="slidenum">
               <a:rPr lang="pt-BR" noProof="0" smtClean="0"/>
-              <a:t>16</a:t>
+              <a:t>17</a:t>
             </a:fld>
             <a:endParaRPr lang="pt-BR" noProof="0" dirty="0"/>
           </a:p>
@@ -37382,7 +38656,7 @@
 </p:sld>
 </file>
 
-<file path=ppt/slides/slide17.xml><?xml version="1.0" encoding="utf-8"?>
+<file path=ppt/slides/slide18.xml><?xml version="1.0" encoding="utf-8"?>
 <p:sld xmlns:a="http://schemas.openxmlformats.org/drawingml/2006/main" xmlns:r="http://schemas.openxmlformats.org/officeDocument/2006/relationships" xmlns:p="http://schemas.openxmlformats.org/presentationml/2006/main">
   <p:cSld>
     <p:spTree>
@@ -37455,7 +38729,7 @@
             </a:pPr>
             <a:r>
               <a:rPr lang="pt-BR" sz="3200" dirty="0"/>
-              <a:t>Determine as raízes das equações do segundo grau:</a:t>
+              <a:t>Determine as raízes das equações do 2º grau:</a:t>
             </a:r>
           </a:p>
           <a:p>
@@ -37742,7 +39016,7 @@
             <a:pPr rtl="0"/>
             <a:fld id="{7DC1BBB0-96F0-4077-A278-0F3FB5C104D3}" type="slidenum">
               <a:rPr lang="pt-BR" noProof="0" smtClean="0"/>
-              <a:t>17</a:t>
+              <a:t>18</a:t>
             </a:fld>
             <a:endParaRPr lang="pt-BR" noProof="0" dirty="0"/>
           </a:p>
@@ -37773,7 +39047,7 @@
 </p:sld>
 </file>
 
-<file path=ppt/slides/slide18.xml><?xml version="1.0" encoding="utf-8"?>
+<file path=ppt/slides/slide19.xml><?xml version="1.0" encoding="utf-8"?>
 <p:sld xmlns:a="http://schemas.openxmlformats.org/drawingml/2006/main" xmlns:r="http://schemas.openxmlformats.org/officeDocument/2006/relationships" xmlns:p="http://schemas.openxmlformats.org/presentationml/2006/main">
   <p:cSld>
     <p:spTree>
@@ -37873,7 +39147,7 @@
             <a:fld id="{7DC1BBB0-96F0-4077-A278-0F3FB5C104D3}" type="slidenum">
               <a:rPr lang="pt-BR" noProof="0" smtClean="0"/>
               <a:pPr rtl="0"/>
-              <a:t>18</a:t>
+              <a:t>19</a:t>
             </a:fld>
             <a:endParaRPr lang="pt-BR" noProof="0" dirty="0"/>
           </a:p>
@@ -37904,7 +39178,193 @@
 </p:sld>
 </file>
 
-<file path=ppt/slides/slide19.xml><?xml version="1.0" encoding="utf-8"?>
+<file path=ppt/slides/slide2.xml><?xml version="1.0" encoding="utf-8"?>
+<p:sld xmlns:a="http://schemas.openxmlformats.org/drawingml/2006/main" xmlns:r="http://schemas.openxmlformats.org/officeDocument/2006/relationships" xmlns:p="http://schemas.openxmlformats.org/presentationml/2006/main">
+  <p:cSld>
+    <p:spTree>
+      <p:nvGrpSpPr>
+        <p:cNvPr id="1" name=""/>
+        <p:cNvGrpSpPr/>
+        <p:nvPr/>
+      </p:nvGrpSpPr>
+      <p:grpSpPr>
+        <a:xfrm>
+          <a:off x="0" y="0"/>
+          <a:ext cx="0" cy="0"/>
+          <a:chOff x="0" y="0"/>
+          <a:chExt cx="0" cy="0"/>
+        </a:xfrm>
+      </p:grpSpPr>
+      <p:sp>
+        <p:nvSpPr>
+          <p:cNvPr id="13" name="Título 12"/>
+          <p:cNvSpPr>
+            <a:spLocks noGrp="1"/>
+          </p:cNvSpPr>
+          <p:nvPr>
+            <p:ph type="title"/>
+          </p:nvPr>
+        </p:nvSpPr>
+        <p:spPr/>
+        <p:txBody>
+          <a:bodyPr rtlCol="0"/>
+          <a:lstStyle/>
+          <a:p>
+            <a:pPr rtl="0"/>
+            <a:r>
+              <a:rPr lang="pt-BR" dirty="0"/>
+              <a:t>Agenda</a:t>
+            </a:r>
+          </a:p>
+        </p:txBody>
+      </p:sp>
+      <p:sp>
+        <p:nvSpPr>
+          <p:cNvPr id="14" name="Espaço reservado para conteúdo 13"/>
+          <p:cNvSpPr>
+            <a:spLocks noGrp="1"/>
+          </p:cNvSpPr>
+          <p:nvPr>
+            <p:ph idx="1"/>
+          </p:nvPr>
+        </p:nvSpPr>
+        <p:spPr/>
+        <p:txBody>
+          <a:bodyPr rtlCol="0"/>
+          <a:lstStyle/>
+          <a:p>
+            <a:pPr rtl="0"/>
+            <a:r>
+              <a:rPr lang="pt-BR" dirty="0"/>
+              <a:t>O que é uma equação do 2º Grau;</a:t>
+            </a:r>
+          </a:p>
+          <a:p>
+            <a:r>
+              <a:rPr lang="pt-BR" dirty="0"/>
+              <a:t>Coeficientes;</a:t>
+            </a:r>
+          </a:p>
+          <a:p>
+            <a:pPr rtl="0"/>
+            <a:r>
+              <a:rPr lang="pt-BR" dirty="0"/>
+              <a:t>Equações do 2º grau Completas e Incompletas;</a:t>
+            </a:r>
+          </a:p>
+          <a:p>
+            <a:pPr rtl="0"/>
+            <a:r>
+              <a:rPr lang="pt-BR" dirty="0"/>
+              <a:t>Fórmula de Delta;</a:t>
+            </a:r>
+          </a:p>
+          <a:p>
+            <a:pPr rtl="0"/>
+            <a:r>
+              <a:rPr lang="pt-BR" dirty="0"/>
+              <a:t>Fórmula de Bhaskara.</a:t>
+            </a:r>
+          </a:p>
+          <a:p>
+            <a:pPr rtl="0"/>
+            <a:r>
+              <a:rPr lang="pt-BR" dirty="0"/>
+              <a:t>Exercícios</a:t>
+            </a:r>
+          </a:p>
+          <a:p>
+            <a:pPr rtl="0"/>
+            <a:endParaRPr lang="pt-BR" dirty="0"/>
+          </a:p>
+        </p:txBody>
+      </p:sp>
+      <p:sp>
+        <p:nvSpPr>
+          <p:cNvPr id="2" name="Espaço Reservado para Rodapé 1">
+            <a:extLst>
+              <a:ext uri="{FF2B5EF4-FFF2-40B4-BE49-F238E27FC236}">
+                <a16:creationId xmlns:a16="http://schemas.microsoft.com/office/drawing/2014/main" id="{0F34EC7E-4DC6-43E5-B13A-AF844E158CC8}"/>
+              </a:ext>
+            </a:extLst>
+          </p:cNvPr>
+          <p:cNvSpPr>
+            <a:spLocks noGrp="1"/>
+          </p:cNvSpPr>
+          <p:nvPr>
+            <p:ph type="ftr" sz="quarter" idx="11"/>
+          </p:nvPr>
+        </p:nvSpPr>
+        <p:spPr/>
+        <p:txBody>
+          <a:bodyPr/>
+          <a:lstStyle/>
+          <a:p>
+            <a:pPr rtl="0"/>
+            <a:r>
+              <a:rPr lang="pt-BR" noProof="0"/>
+              <a:t>Eric Sampaio</a:t>
+            </a:r>
+            <a:endParaRPr lang="pt-BR" noProof="0" dirty="0"/>
+          </a:p>
+        </p:txBody>
+      </p:sp>
+      <p:sp>
+        <p:nvSpPr>
+          <p:cNvPr id="3" name="Espaço Reservado para Número de Slide 2">
+            <a:extLst>
+              <a:ext uri="{FF2B5EF4-FFF2-40B4-BE49-F238E27FC236}">
+                <a16:creationId xmlns:a16="http://schemas.microsoft.com/office/drawing/2014/main" id="{9F252635-BDC4-41D4-A44F-AE6175AEFD80}"/>
+              </a:ext>
+            </a:extLst>
+          </p:cNvPr>
+          <p:cNvSpPr>
+            <a:spLocks noGrp="1"/>
+          </p:cNvSpPr>
+          <p:nvPr>
+            <p:ph type="sldNum" sz="quarter" idx="12"/>
+          </p:nvPr>
+        </p:nvSpPr>
+        <p:spPr/>
+        <p:txBody>
+          <a:bodyPr/>
+          <a:lstStyle/>
+          <a:p>
+            <a:pPr rtl="0"/>
+            <a:fld id="{7DC1BBB0-96F0-4077-A278-0F3FB5C104D3}" type="slidenum">
+              <a:rPr lang="pt-BR" noProof="0" smtClean="0"/>
+              <a:t>2</a:t>
+            </a:fld>
+            <a:endParaRPr lang="pt-BR" noProof="0" dirty="0"/>
+          </a:p>
+        </p:txBody>
+      </p:sp>
+    </p:spTree>
+    <p:extLst>
+      <p:ext uri="{BB962C8B-B14F-4D97-AF65-F5344CB8AC3E}">
+        <p14:creationId xmlns:p14="http://schemas.microsoft.com/office/powerpoint/2010/main" val="1720426387"/>
+      </p:ext>
+    </p:extLst>
+  </p:cSld>
+  <p:clrMapOvr>
+    <a:masterClrMapping/>
+  </p:clrMapOvr>
+  <mc:AlternateContent xmlns:mc="http://schemas.openxmlformats.org/markup-compatibility/2006" xmlns:p14="http://schemas.microsoft.com/office/powerpoint/2010/main">
+    <mc:Choice Requires="p14">
+      <p:transition spd="med" p14:dur="700">
+        <p:fade/>
+      </p:transition>
+    </mc:Choice>
+    <mc:Fallback xmlns="">
+      <p:transition spd="med">
+        <p:fade/>
+      </p:transition>
+    </mc:Fallback>
+  </mc:AlternateContent>
+</p:sld>
+</file>
+
+<file path=ppt/slides/slide20.xml><?xml version="1.0" encoding="utf-8"?>
 <p:sld xmlns:a="http://schemas.openxmlformats.org/drawingml/2006/main" xmlns:r="http://schemas.openxmlformats.org/officeDocument/2006/relationships" xmlns:p="http://schemas.openxmlformats.org/presentationml/2006/main">
   <p:cSld>
     <p:spTree>
@@ -38078,7 +39538,7 @@
             <a:pPr rtl="0"/>
             <a:fld id="{7DC1BBB0-96F0-4077-A278-0F3FB5C104D3}" type="slidenum">
               <a:rPr lang="pt-BR" noProof="0" smtClean="0"/>
-              <a:t>19</a:t>
+              <a:t>20</a:t>
             </a:fld>
             <a:endParaRPr lang="pt-BR" noProof="0" dirty="0"/>
           </a:p>
@@ -38109,193 +39569,7 @@
 </p:sld>
 </file>
 
-<file path=ppt/slides/slide2.xml><?xml version="1.0" encoding="utf-8"?>
-<p:sld xmlns:a="http://schemas.openxmlformats.org/drawingml/2006/main" xmlns:r="http://schemas.openxmlformats.org/officeDocument/2006/relationships" xmlns:p="http://schemas.openxmlformats.org/presentationml/2006/main">
-  <p:cSld>
-    <p:spTree>
-      <p:nvGrpSpPr>
-        <p:cNvPr id="1" name=""/>
-        <p:cNvGrpSpPr/>
-        <p:nvPr/>
-      </p:nvGrpSpPr>
-      <p:grpSpPr>
-        <a:xfrm>
-          <a:off x="0" y="0"/>
-          <a:ext cx="0" cy="0"/>
-          <a:chOff x="0" y="0"/>
-          <a:chExt cx="0" cy="0"/>
-        </a:xfrm>
-      </p:grpSpPr>
-      <p:sp>
-        <p:nvSpPr>
-          <p:cNvPr id="13" name="Título 12"/>
-          <p:cNvSpPr>
-            <a:spLocks noGrp="1"/>
-          </p:cNvSpPr>
-          <p:nvPr>
-            <p:ph type="title"/>
-          </p:nvPr>
-        </p:nvSpPr>
-        <p:spPr/>
-        <p:txBody>
-          <a:bodyPr rtlCol="0"/>
-          <a:lstStyle/>
-          <a:p>
-            <a:pPr rtl="0"/>
-            <a:r>
-              <a:rPr lang="pt-BR" dirty="0"/>
-              <a:t>Agenda</a:t>
-            </a:r>
-          </a:p>
-        </p:txBody>
-      </p:sp>
-      <p:sp>
-        <p:nvSpPr>
-          <p:cNvPr id="14" name="Espaço reservado para conteúdo 13"/>
-          <p:cNvSpPr>
-            <a:spLocks noGrp="1"/>
-          </p:cNvSpPr>
-          <p:nvPr>
-            <p:ph idx="1"/>
-          </p:nvPr>
-        </p:nvSpPr>
-        <p:spPr/>
-        <p:txBody>
-          <a:bodyPr rtlCol="0"/>
-          <a:lstStyle/>
-          <a:p>
-            <a:pPr rtl="0"/>
-            <a:r>
-              <a:rPr lang="pt-BR" dirty="0"/>
-              <a:t>O que é uma equação do 2º Grau</a:t>
-            </a:r>
-          </a:p>
-          <a:p>
-            <a:r>
-              <a:rPr lang="pt-BR" dirty="0"/>
-              <a:t>Coeficientes</a:t>
-            </a:r>
-          </a:p>
-          <a:p>
-            <a:pPr rtl="0"/>
-            <a:r>
-              <a:rPr lang="pt-BR" dirty="0"/>
-              <a:t>Equações do 2º grau Completas e Incompletas</a:t>
-            </a:r>
-          </a:p>
-          <a:p>
-            <a:pPr rtl="0"/>
-            <a:r>
-              <a:rPr lang="pt-BR" dirty="0"/>
-              <a:t>Fórmula de Delta</a:t>
-            </a:r>
-          </a:p>
-          <a:p>
-            <a:pPr rtl="0"/>
-            <a:r>
-              <a:rPr lang="pt-BR" dirty="0"/>
-              <a:t>Fórmula de Bhaskara</a:t>
-            </a:r>
-          </a:p>
-          <a:p>
-            <a:pPr rtl="0"/>
-            <a:r>
-              <a:rPr lang="pt-BR" dirty="0"/>
-              <a:t>Exercícios</a:t>
-            </a:r>
-          </a:p>
-          <a:p>
-            <a:pPr rtl="0"/>
-            <a:endParaRPr lang="pt-BR" dirty="0"/>
-          </a:p>
-        </p:txBody>
-      </p:sp>
-      <p:sp>
-        <p:nvSpPr>
-          <p:cNvPr id="2" name="Espaço Reservado para Rodapé 1">
-            <a:extLst>
-              <a:ext uri="{FF2B5EF4-FFF2-40B4-BE49-F238E27FC236}">
-                <a16:creationId xmlns:a16="http://schemas.microsoft.com/office/drawing/2014/main" id="{0F34EC7E-4DC6-43E5-B13A-AF844E158CC8}"/>
-              </a:ext>
-            </a:extLst>
-          </p:cNvPr>
-          <p:cNvSpPr>
-            <a:spLocks noGrp="1"/>
-          </p:cNvSpPr>
-          <p:nvPr>
-            <p:ph type="ftr" sz="quarter" idx="11"/>
-          </p:nvPr>
-        </p:nvSpPr>
-        <p:spPr/>
-        <p:txBody>
-          <a:bodyPr/>
-          <a:lstStyle/>
-          <a:p>
-            <a:pPr rtl="0"/>
-            <a:r>
-              <a:rPr lang="pt-BR" noProof="0"/>
-              <a:t>Eric Sampaio</a:t>
-            </a:r>
-            <a:endParaRPr lang="pt-BR" noProof="0" dirty="0"/>
-          </a:p>
-        </p:txBody>
-      </p:sp>
-      <p:sp>
-        <p:nvSpPr>
-          <p:cNvPr id="3" name="Espaço Reservado para Número de Slide 2">
-            <a:extLst>
-              <a:ext uri="{FF2B5EF4-FFF2-40B4-BE49-F238E27FC236}">
-                <a16:creationId xmlns:a16="http://schemas.microsoft.com/office/drawing/2014/main" id="{9F252635-BDC4-41D4-A44F-AE6175AEFD80}"/>
-              </a:ext>
-            </a:extLst>
-          </p:cNvPr>
-          <p:cNvSpPr>
-            <a:spLocks noGrp="1"/>
-          </p:cNvSpPr>
-          <p:nvPr>
-            <p:ph type="sldNum" sz="quarter" idx="12"/>
-          </p:nvPr>
-        </p:nvSpPr>
-        <p:spPr/>
-        <p:txBody>
-          <a:bodyPr/>
-          <a:lstStyle/>
-          <a:p>
-            <a:pPr rtl="0"/>
-            <a:fld id="{7DC1BBB0-96F0-4077-A278-0F3FB5C104D3}" type="slidenum">
-              <a:rPr lang="pt-BR" noProof="0" smtClean="0"/>
-              <a:t>2</a:t>
-            </a:fld>
-            <a:endParaRPr lang="pt-BR" noProof="0" dirty="0"/>
-          </a:p>
-        </p:txBody>
-      </p:sp>
-    </p:spTree>
-    <p:extLst>
-      <p:ext uri="{BB962C8B-B14F-4D97-AF65-F5344CB8AC3E}">
-        <p14:creationId xmlns:p14="http://schemas.microsoft.com/office/powerpoint/2010/main" val="1720426387"/>
-      </p:ext>
-    </p:extLst>
-  </p:cSld>
-  <p:clrMapOvr>
-    <a:masterClrMapping/>
-  </p:clrMapOvr>
-  <mc:AlternateContent xmlns:mc="http://schemas.openxmlformats.org/markup-compatibility/2006" xmlns:p14="http://schemas.microsoft.com/office/powerpoint/2010/main">
-    <mc:Choice Requires="p14">
-      <p:transition spd="med" p14:dur="700">
-        <p:fade/>
-      </p:transition>
-    </mc:Choice>
-    <mc:Fallback xmlns="">
-      <p:transition spd="med">
-        <p:fade/>
-      </p:transition>
-    </mc:Fallback>
-  </mc:AlternateContent>
-</p:sld>
-</file>
-
-<file path=ppt/slides/slide20.xml><?xml version="1.0" encoding="utf-8"?>
+<file path=ppt/slides/slide21.xml><?xml version="1.0" encoding="utf-8"?>
 <p:sld xmlns:a="http://schemas.openxmlformats.org/drawingml/2006/main" xmlns:r="http://schemas.openxmlformats.org/officeDocument/2006/relationships" xmlns:p="http://schemas.openxmlformats.org/presentationml/2006/main">
   <p:cSld>
     <p:spTree>
@@ -38389,7 +39663,7 @@
             <a:pPr rtl="0"/>
             <a:fld id="{7DC1BBB0-96F0-4077-A278-0F3FB5C104D3}" type="slidenum">
               <a:rPr lang="pt-BR" noProof="0" smtClean="0"/>
-              <a:t>20</a:t>
+              <a:t>21</a:t>
             </a:fld>
             <a:endParaRPr lang="pt-BR" noProof="0" dirty="0"/>
           </a:p>
@@ -38420,7 +39694,7 @@
 </p:sld>
 </file>
 
-<file path=ppt/slides/slide21.xml><?xml version="1.0" encoding="utf-8"?>
+<file path=ppt/slides/slide22.xml><?xml version="1.0" encoding="utf-8"?>
 <p:sld xmlns:a="http://schemas.openxmlformats.org/drawingml/2006/main" xmlns:r="http://schemas.openxmlformats.org/officeDocument/2006/relationships" xmlns:p="http://schemas.openxmlformats.org/presentationml/2006/main">
   <p:cSld>
     <p:spTree>
@@ -38492,7 +39766,7 @@
             <a:fld id="{7DC1BBB0-96F0-4077-A278-0F3FB5C104D3}" type="slidenum">
               <a:rPr lang="pt-BR" noProof="0" smtClean="0"/>
               <a:pPr rtl="0"/>
-              <a:t>21</a:t>
+              <a:t>22</a:t>
             </a:fld>
             <a:endParaRPr lang="pt-BR" noProof="0" dirty="0"/>
           </a:p>
@@ -38523,7 +39797,7 @@
 </p:sld>
 </file>
 
-<file path=ppt/slides/slide22.xml><?xml version="1.0" encoding="utf-8"?>
+<file path=ppt/slides/slide23.xml><?xml version="1.0" encoding="utf-8"?>
 <p:sld xmlns:a="http://schemas.openxmlformats.org/drawingml/2006/main" xmlns:r="http://schemas.openxmlformats.org/officeDocument/2006/relationships" xmlns:p="http://schemas.openxmlformats.org/presentationml/2006/main">
   <p:cSld>
     <p:spTree>
@@ -38657,7 +39931,7 @@
             <a:pPr rtl="0"/>
             <a:fld id="{7DC1BBB0-96F0-4077-A278-0F3FB5C104D3}" type="slidenum">
               <a:rPr lang="pt-BR" noProof="0" smtClean="0"/>
-              <a:t>22</a:t>
+              <a:t>23</a:t>
             </a:fld>
             <a:endParaRPr lang="pt-BR" noProof="0" dirty="0"/>
           </a:p>
@@ -38688,7 +39962,7 @@
 </p:sld>
 </file>
 
-<file path=ppt/slides/slide23.xml><?xml version="1.0" encoding="utf-8"?>
+<file path=ppt/slides/slide24.xml><?xml version="1.0" encoding="utf-8"?>
 <p:sld xmlns:a="http://schemas.openxmlformats.org/drawingml/2006/main" xmlns:r="http://schemas.openxmlformats.org/officeDocument/2006/relationships" xmlns:p="http://schemas.openxmlformats.org/presentationml/2006/main">
   <p:cSld>
     <p:spTree>
@@ -38815,7 +40089,7 @@
             <a:fld id="{7DC1BBB0-96F0-4077-A278-0F3FB5C104D3}" type="slidenum">
               <a:rPr lang="pt-BR" noProof="0" smtClean="0"/>
               <a:pPr rtl="0"/>
-              <a:t>23</a:t>
+              <a:t>24</a:t>
             </a:fld>
             <a:endParaRPr lang="pt-BR" noProof="0" dirty="0"/>
           </a:p>
@@ -38913,11 +40187,11 @@
             </a:r>
             <a:r>
               <a:rPr lang="pt-BR" b="1" dirty="0"/>
-              <a:t>equação do segundo grau</a:t>
+              <a:t>equação do 2º grau</a:t>
             </a:r>
             <a:r>
               <a:rPr lang="pt-BR" dirty="0"/>
-              <a:t> recebe esse nome porque é uma equação polinomial cujo termo de maior grau está elevado ao quadrado. Também chamada de equação quadrática, é representada por:</a:t>
+              <a:t> recebe esse nome devido ao fato de ser uma equação polinomial cujo termo de maior grau está elevado ao quadrado. Também chamada de equação quadrática, é representada por:</a:t>
             </a:r>
           </a:p>
           <a:p>
@@ -39124,7 +40398,23 @@
             <a:pPr rtl="0"/>
             <a:r>
               <a:rPr lang="pt-BR" dirty="0"/>
-              <a:t>Em toda Equação do 2º Grau, os coeficientes são representados pelas letras a, b e c.</a:t>
+              <a:t>Em toda Equação do 2º Grau, os coeficientes são representados pelas letras </a:t>
+            </a:r>
+            <a:r>
+              <a:rPr lang="pt-BR" i="1" dirty="0"/>
+              <a:t>a, b </a:t>
+            </a:r>
+            <a:r>
+              <a:rPr lang="pt-BR" dirty="0"/>
+              <a:t>e </a:t>
+            </a:r>
+            <a:r>
+              <a:rPr lang="pt-BR" i="1" dirty="0"/>
+              <a:t>c</a:t>
+            </a:r>
+            <a:r>
+              <a:rPr lang="pt-BR" dirty="0"/>
+              <a:t>.</a:t>
             </a:r>
           </a:p>
           <a:p>
@@ -39332,7 +40622,23 @@
             <a:pPr rtl="0"/>
             <a:r>
               <a:rPr lang="pt-BR" dirty="0"/>
-              <a:t>Em toda Equação do 2º Grau, os coeficientes são representados pelas letras a, b e c.</a:t>
+              <a:t>Em toda Equação do 2º Grau, os coeficientes são representados pelas letras </a:t>
+            </a:r>
+            <a:r>
+              <a:rPr lang="pt-BR" i="1" dirty="0"/>
+              <a:t>a, b </a:t>
+            </a:r>
+            <a:r>
+              <a:rPr lang="pt-BR" dirty="0"/>
+              <a:t>e </a:t>
+            </a:r>
+            <a:r>
+              <a:rPr lang="pt-BR" i="1" dirty="0"/>
+              <a:t>c</a:t>
+            </a:r>
+            <a:r>
+              <a:rPr lang="pt-BR" dirty="0"/>
+              <a:t>.</a:t>
             </a:r>
           </a:p>
           <a:p>
@@ -39532,13 +40838,13 @@
         </p:spPr>
         <p:txBody>
           <a:bodyPr rtlCol="0">
-            <a:normAutofit fontScale="62500" lnSpcReduction="20000"/>
+            <a:normAutofit fontScale="70000" lnSpcReduction="20000"/>
           </a:bodyPr>
           <a:lstStyle/>
           <a:p>
             <a:r>
               <a:rPr lang="pt-BR" dirty="0"/>
-              <a:t>Toda Equação do segundo grau considerada completa tem os coeficientes: b e c ≠0</a:t>
+              <a:t>Toda Equação do 2º grau considerada completa, tem os coeficientes: b e c ≠0</a:t>
             </a:r>
           </a:p>
           <a:p>
@@ -39758,13 +41064,13 @@
         </p:spPr>
         <p:txBody>
           <a:bodyPr rtlCol="0">
-            <a:normAutofit fontScale="62500" lnSpcReduction="20000"/>
+            <a:normAutofit fontScale="70000" lnSpcReduction="20000"/>
           </a:bodyPr>
           <a:lstStyle/>
           <a:p>
             <a:r>
               <a:rPr lang="pt-BR" dirty="0"/>
-              <a:t>Toda Equação do segundo grau considerada completa tem os coeficientes: b e c ≠0</a:t>
+              <a:t>Toda Equação do 2º grau considerada completa, tem os coeficientes: b e c ≠0</a:t>
             </a:r>
           </a:p>
           <a:p>
@@ -40477,7 +41783,7 @@
             </a:r>
             <a:r>
               <a:rPr lang="pt-BR" dirty="0"/>
-              <a:t> igual a 0 será encontrado apenas uma raiz que irá satisfazer a equação.</a:t>
+              <a:t> igual a 0 será encontrada apenas uma raiz que irá satisfazer a equação.</a:t>
             </a:r>
           </a:p>
           <a:p>
